--- a/Images/Figures_PPT/PieWithOutRictor.pptx
+++ b/Images/Figures_PPT/PieWithOutRictor.pptx
@@ -2299,101 +2299,101 @@
           <p:spPr>
             <a:xfrm>
               <a:off x="5486400" y="1749568"/>
-              <a:ext cx="121185" cy="2473613"/>
+              <a:ext cx="124285" cy="2473613"/>
             </a:xfrm>
             <a:custGeom>
               <a:avLst/>
               <a:pathLst>
-                <a:path w="121185" h="2473613">
+                <a:path w="124285" h="2473613">
                   <a:moveTo>
                     <a:pt x="0" y="2473613"/>
                   </a:moveTo>
                   <a:lnTo>
-                    <a:pt x="4178" y="2388419"/>
-                  </a:lnTo>
-                  <a:lnTo>
-                    <a:pt x="8357" y="2303224"/>
-                  </a:lnTo>
-                  <a:lnTo>
-                    <a:pt x="12536" y="2218030"/>
-                  </a:lnTo>
-                  <a:lnTo>
-                    <a:pt x="16715" y="2132835"/>
-                  </a:lnTo>
-                  <a:lnTo>
-                    <a:pt x="20894" y="2047640"/>
-                  </a:lnTo>
-                  <a:lnTo>
-                    <a:pt x="25072" y="1962446"/>
-                  </a:lnTo>
-                  <a:lnTo>
-                    <a:pt x="29251" y="1877251"/>
-                  </a:lnTo>
-                  <a:lnTo>
-                    <a:pt x="33430" y="1792057"/>
-                  </a:lnTo>
-                  <a:lnTo>
-                    <a:pt x="37609" y="1706862"/>
-                  </a:lnTo>
-                  <a:lnTo>
-                    <a:pt x="41788" y="1621667"/>
-                  </a:lnTo>
-                  <a:lnTo>
-                    <a:pt x="45966" y="1536473"/>
-                  </a:lnTo>
-                  <a:lnTo>
-                    <a:pt x="50145" y="1451278"/>
-                  </a:lnTo>
-                  <a:lnTo>
-                    <a:pt x="54324" y="1366084"/>
-                  </a:lnTo>
-                  <a:lnTo>
-                    <a:pt x="58503" y="1280889"/>
-                  </a:lnTo>
-                  <a:lnTo>
-                    <a:pt x="62682" y="1195694"/>
-                  </a:lnTo>
-                  <a:lnTo>
-                    <a:pt x="66860" y="1110500"/>
-                  </a:lnTo>
-                  <a:lnTo>
-                    <a:pt x="71039" y="1025305"/>
-                  </a:lnTo>
-                  <a:lnTo>
-                    <a:pt x="75218" y="940110"/>
-                  </a:lnTo>
-                  <a:lnTo>
-                    <a:pt x="79397" y="854916"/>
-                  </a:lnTo>
-                  <a:lnTo>
-                    <a:pt x="83576" y="769721"/>
-                  </a:lnTo>
-                  <a:lnTo>
-                    <a:pt x="87754" y="684527"/>
-                  </a:lnTo>
-                  <a:lnTo>
-                    <a:pt x="91933" y="599332"/>
-                  </a:lnTo>
-                  <a:lnTo>
-                    <a:pt x="96112" y="514137"/>
-                  </a:lnTo>
-                  <a:lnTo>
-                    <a:pt x="100291" y="428943"/>
-                  </a:lnTo>
-                  <a:lnTo>
-                    <a:pt x="104470" y="343748"/>
-                  </a:lnTo>
-                  <a:lnTo>
-                    <a:pt x="108648" y="258554"/>
-                  </a:lnTo>
-                  <a:lnTo>
-                    <a:pt x="112827" y="173359"/>
-                  </a:lnTo>
-                  <a:lnTo>
-                    <a:pt x="117006" y="88164"/>
-                  </a:lnTo>
-                  <a:lnTo>
-                    <a:pt x="121185" y="2970"/>
+                    <a:pt x="4285" y="2388424"/>
+                  </a:lnTo>
+                  <a:lnTo>
+                    <a:pt x="8571" y="2303235"/>
+                  </a:lnTo>
+                  <a:lnTo>
+                    <a:pt x="12857" y="2218046"/>
+                  </a:lnTo>
+                  <a:lnTo>
+                    <a:pt x="17142" y="2132856"/>
+                  </a:lnTo>
+                  <a:lnTo>
+                    <a:pt x="21428" y="2047667"/>
+                  </a:lnTo>
+                  <a:lnTo>
+                    <a:pt x="25714" y="1962478"/>
+                  </a:lnTo>
+                  <a:lnTo>
+                    <a:pt x="29999" y="1877288"/>
+                  </a:lnTo>
+                  <a:lnTo>
+                    <a:pt x="34285" y="1792099"/>
+                  </a:lnTo>
+                  <a:lnTo>
+                    <a:pt x="38571" y="1706910"/>
+                  </a:lnTo>
+                  <a:lnTo>
+                    <a:pt x="42856" y="1621720"/>
+                  </a:lnTo>
+                  <a:lnTo>
+                    <a:pt x="47142" y="1536531"/>
+                  </a:lnTo>
+                  <a:lnTo>
+                    <a:pt x="51428" y="1451342"/>
+                  </a:lnTo>
+                  <a:lnTo>
+                    <a:pt x="55713" y="1366153"/>
+                  </a:lnTo>
+                  <a:lnTo>
+                    <a:pt x="59999" y="1280963"/>
+                  </a:lnTo>
+                  <a:lnTo>
+                    <a:pt x="64285" y="1195774"/>
+                  </a:lnTo>
+                  <a:lnTo>
+                    <a:pt x="68571" y="1110585"/>
+                  </a:lnTo>
+                  <a:lnTo>
+                    <a:pt x="72856" y="1025395"/>
+                  </a:lnTo>
+                  <a:lnTo>
+                    <a:pt x="77142" y="940206"/>
+                  </a:lnTo>
+                  <a:lnTo>
+                    <a:pt x="81428" y="855017"/>
+                  </a:lnTo>
+                  <a:lnTo>
+                    <a:pt x="85713" y="769827"/>
+                  </a:lnTo>
+                  <a:lnTo>
+                    <a:pt x="89999" y="684638"/>
+                  </a:lnTo>
+                  <a:lnTo>
+                    <a:pt x="94285" y="599449"/>
+                  </a:lnTo>
+                  <a:lnTo>
+                    <a:pt x="98570" y="514260"/>
+                  </a:lnTo>
+                  <a:lnTo>
+                    <a:pt x="102856" y="429070"/>
+                  </a:lnTo>
+                  <a:lnTo>
+                    <a:pt x="107142" y="343881"/>
+                  </a:lnTo>
+                  <a:lnTo>
+                    <a:pt x="111427" y="258692"/>
+                  </a:lnTo>
+                  <a:lnTo>
+                    <a:pt x="115713" y="173502"/>
+                  </a:lnTo>
+                  <a:lnTo>
+                    <a:pt x="119999" y="88313"/>
+                  </a:lnTo>
+                  <a:lnTo>
+                    <a:pt x="124285" y="3124"/>
                   </a:lnTo>
                   <a:lnTo>
                     <a:pt x="0" y="0"/>
@@ -2487,7 +2487,7 @@
               </a:pathLst>
             </a:custGeom>
             <a:solidFill>
-              <a:srgbClr val="FB61D7">
+              <a:srgbClr val="F564E3">
                 <a:alpha val="100000"/>
               </a:srgbClr>
             </a:solidFill>
@@ -2515,289 +2515,289 @@
           </p:nvSpPr>
           <p:spPr>
             <a:xfrm>
-              <a:off x="5486400" y="1752538"/>
-              <a:ext cx="2244552" cy="2470643"/>
+              <a:off x="5486400" y="1752692"/>
+              <a:ext cx="2273858" cy="2470489"/>
             </a:xfrm>
             <a:custGeom>
               <a:avLst/>
               <a:pathLst>
-                <a:path w="2244552" h="2470643">
+                <a:path w="2273858" h="2470489">
                   <a:moveTo>
-                    <a:pt x="0" y="2470643"/>
+                    <a:pt x="0" y="2470489"/>
                   </a:moveTo>
                   <a:lnTo>
-                    <a:pt x="77398" y="2434795"/>
-                  </a:lnTo>
-                  <a:lnTo>
-                    <a:pt x="154796" y="2398947"/>
-                  </a:lnTo>
-                  <a:lnTo>
-                    <a:pt x="232195" y="2363099"/>
-                  </a:lnTo>
-                  <a:lnTo>
-                    <a:pt x="309593" y="2327251"/>
-                  </a:lnTo>
-                  <a:lnTo>
-                    <a:pt x="386991" y="2291403"/>
-                  </a:lnTo>
-                  <a:lnTo>
-                    <a:pt x="464390" y="2255555"/>
-                  </a:lnTo>
-                  <a:lnTo>
-                    <a:pt x="541788" y="2219707"/>
-                  </a:lnTo>
-                  <a:lnTo>
-                    <a:pt x="619186" y="2183859"/>
-                  </a:lnTo>
-                  <a:lnTo>
-                    <a:pt x="696585" y="2148011"/>
-                  </a:lnTo>
-                  <a:lnTo>
-                    <a:pt x="773983" y="2112163"/>
-                  </a:lnTo>
-                  <a:lnTo>
-                    <a:pt x="851381" y="2076315"/>
-                  </a:lnTo>
-                  <a:lnTo>
-                    <a:pt x="928780" y="2040467"/>
-                  </a:lnTo>
-                  <a:lnTo>
-                    <a:pt x="1006178" y="2004619"/>
-                  </a:lnTo>
-                  <a:lnTo>
-                    <a:pt x="1083576" y="1968771"/>
-                  </a:lnTo>
-                  <a:lnTo>
-                    <a:pt x="1160975" y="1932923"/>
-                  </a:lnTo>
-                  <a:lnTo>
-                    <a:pt x="1238373" y="1897075"/>
-                  </a:lnTo>
-                  <a:lnTo>
-                    <a:pt x="1315771" y="1861227"/>
-                  </a:lnTo>
-                  <a:lnTo>
-                    <a:pt x="1393170" y="1825379"/>
-                  </a:lnTo>
-                  <a:lnTo>
-                    <a:pt x="1470568" y="1789531"/>
-                  </a:lnTo>
-                  <a:lnTo>
-                    <a:pt x="1547967" y="1753683"/>
-                  </a:lnTo>
-                  <a:lnTo>
-                    <a:pt x="1625365" y="1717835"/>
-                  </a:lnTo>
-                  <a:lnTo>
-                    <a:pt x="1702763" y="1681987"/>
-                  </a:lnTo>
-                  <a:lnTo>
-                    <a:pt x="1780162" y="1646139"/>
-                  </a:lnTo>
-                  <a:lnTo>
-                    <a:pt x="1857560" y="1610291"/>
-                  </a:lnTo>
-                  <a:lnTo>
-                    <a:pt x="1934958" y="1574443"/>
-                  </a:lnTo>
-                  <a:lnTo>
-                    <a:pt x="2012357" y="1538595"/>
-                  </a:lnTo>
-                  <a:lnTo>
-                    <a:pt x="2089755" y="1502747"/>
-                  </a:lnTo>
-                  <a:lnTo>
-                    <a:pt x="2167153" y="1466899"/>
-                  </a:lnTo>
-                  <a:lnTo>
-                    <a:pt x="2244552" y="1431051"/>
-                  </a:lnTo>
-                  <a:lnTo>
-                    <a:pt x="2207914" y="1355349"/>
-                  </a:lnTo>
-                  <a:lnTo>
-                    <a:pt x="2168724" y="1280936"/>
-                  </a:lnTo>
-                  <a:lnTo>
-                    <a:pt x="2127026" y="1207899"/>
-                  </a:lnTo>
-                  <a:lnTo>
-                    <a:pt x="2082870" y="1136321"/>
-                  </a:lnTo>
-                  <a:lnTo>
-                    <a:pt x="2036307" y="1066286"/>
-                  </a:lnTo>
-                  <a:lnTo>
-                    <a:pt x="1987389" y="997874"/>
-                  </a:lnTo>
-                  <a:lnTo>
-                    <a:pt x="1936174" y="931164"/>
-                  </a:lnTo>
-                  <a:lnTo>
-                    <a:pt x="1882721" y="866235"/>
-                  </a:lnTo>
-                  <a:lnTo>
-                    <a:pt x="1827091" y="803159"/>
-                  </a:lnTo>
-                  <a:lnTo>
-                    <a:pt x="1769349" y="742012"/>
-                  </a:lnTo>
-                  <a:lnTo>
-                    <a:pt x="1709563" y="682862"/>
-                  </a:lnTo>
-                  <a:lnTo>
-                    <a:pt x="1647799" y="625780"/>
-                  </a:lnTo>
-                  <a:lnTo>
-                    <a:pt x="1584131" y="570829"/>
-                  </a:lnTo>
-                  <a:lnTo>
-                    <a:pt x="1518632" y="518075"/>
-                  </a:lnTo>
-                  <a:lnTo>
-                    <a:pt x="1451377" y="467579"/>
-                  </a:lnTo>
-                  <a:lnTo>
-                    <a:pt x="1382445" y="419397"/>
-                  </a:lnTo>
-                  <a:lnTo>
-                    <a:pt x="1311915" y="373587"/>
-                  </a:lnTo>
-                  <a:lnTo>
-                    <a:pt x="1239867" y="330201"/>
-                  </a:lnTo>
-                  <a:lnTo>
-                    <a:pt x="1166387" y="289289"/>
-                  </a:lnTo>
-                  <a:lnTo>
-                    <a:pt x="1091559" y="250899"/>
-                  </a:lnTo>
-                  <a:lnTo>
-                    <a:pt x="1015468" y="215075"/>
-                  </a:lnTo>
-                  <a:lnTo>
-                    <a:pt x="938204" y="181858"/>
-                  </a:lnTo>
-                  <a:lnTo>
-                    <a:pt x="859855" y="151287"/>
-                  </a:lnTo>
-                  <a:lnTo>
-                    <a:pt x="780512" y="123397"/>
-                  </a:lnTo>
-                  <a:lnTo>
-                    <a:pt x="700267" y="98220"/>
-                  </a:lnTo>
-                  <a:lnTo>
-                    <a:pt x="619213" y="75786"/>
-                  </a:lnTo>
-                  <a:lnTo>
-                    <a:pt x="537442" y="56120"/>
-                  </a:lnTo>
-                  <a:lnTo>
-                    <a:pt x="455051" y="39246"/>
-                  </a:lnTo>
-                  <a:lnTo>
-                    <a:pt x="372133" y="25182"/>
-                  </a:lnTo>
-                  <a:lnTo>
-                    <a:pt x="288785" y="13944"/>
-                  </a:lnTo>
-                  <a:lnTo>
-                    <a:pt x="205104" y="5547"/>
-                  </a:lnTo>
-                  <a:lnTo>
-                    <a:pt x="121185" y="0"/>
-                  </a:lnTo>
-                  <a:lnTo>
-                    <a:pt x="117006" y="85194"/>
-                  </a:lnTo>
-                  <a:lnTo>
-                    <a:pt x="112827" y="170389"/>
-                  </a:lnTo>
-                  <a:lnTo>
-                    <a:pt x="108648" y="255583"/>
-                  </a:lnTo>
-                  <a:lnTo>
-                    <a:pt x="104470" y="340778"/>
-                  </a:lnTo>
-                  <a:lnTo>
-                    <a:pt x="100291" y="425973"/>
-                  </a:lnTo>
-                  <a:lnTo>
-                    <a:pt x="96112" y="511167"/>
-                  </a:lnTo>
-                  <a:lnTo>
-                    <a:pt x="91933" y="596362"/>
-                  </a:lnTo>
-                  <a:lnTo>
-                    <a:pt x="87754" y="681556"/>
-                  </a:lnTo>
-                  <a:lnTo>
-                    <a:pt x="83576" y="766751"/>
-                  </a:lnTo>
-                  <a:lnTo>
-                    <a:pt x="79397" y="851946"/>
-                  </a:lnTo>
-                  <a:lnTo>
-                    <a:pt x="75218" y="937140"/>
-                  </a:lnTo>
-                  <a:lnTo>
-                    <a:pt x="71039" y="1022335"/>
-                  </a:lnTo>
-                  <a:lnTo>
-                    <a:pt x="66860" y="1107529"/>
-                  </a:lnTo>
-                  <a:lnTo>
-                    <a:pt x="62682" y="1192724"/>
-                  </a:lnTo>
-                  <a:lnTo>
-                    <a:pt x="58503" y="1277919"/>
-                  </a:lnTo>
-                  <a:lnTo>
-                    <a:pt x="54324" y="1363113"/>
-                  </a:lnTo>
-                  <a:lnTo>
-                    <a:pt x="50145" y="1448308"/>
-                  </a:lnTo>
-                  <a:lnTo>
-                    <a:pt x="45966" y="1533502"/>
-                  </a:lnTo>
-                  <a:lnTo>
-                    <a:pt x="41788" y="1618697"/>
-                  </a:lnTo>
-                  <a:lnTo>
-                    <a:pt x="37609" y="1703892"/>
-                  </a:lnTo>
-                  <a:lnTo>
-                    <a:pt x="33430" y="1789086"/>
-                  </a:lnTo>
-                  <a:lnTo>
-                    <a:pt x="29251" y="1874281"/>
-                  </a:lnTo>
-                  <a:lnTo>
-                    <a:pt x="25072" y="1959475"/>
-                  </a:lnTo>
-                  <a:lnTo>
-                    <a:pt x="20894" y="2044670"/>
-                  </a:lnTo>
-                  <a:lnTo>
-                    <a:pt x="16715" y="2129865"/>
-                  </a:lnTo>
-                  <a:lnTo>
-                    <a:pt x="12536" y="2215059"/>
-                  </a:lnTo>
-                  <a:lnTo>
-                    <a:pt x="8357" y="2300254"/>
-                  </a:lnTo>
-                  <a:lnTo>
-                    <a:pt x="4178" y="2385449"/>
+                    <a:pt x="78408" y="2436909"/>
+                  </a:lnTo>
+                  <a:lnTo>
+                    <a:pt x="156817" y="2403329"/>
+                  </a:lnTo>
+                  <a:lnTo>
+                    <a:pt x="235226" y="2369749"/>
+                  </a:lnTo>
+                  <a:lnTo>
+                    <a:pt x="313635" y="2336168"/>
+                  </a:lnTo>
+                  <a:lnTo>
+                    <a:pt x="392044" y="2302588"/>
+                  </a:lnTo>
+                  <a:lnTo>
+                    <a:pt x="470453" y="2269008"/>
+                  </a:lnTo>
+                  <a:lnTo>
+                    <a:pt x="548862" y="2235428"/>
+                  </a:lnTo>
+                  <a:lnTo>
+                    <a:pt x="627271" y="2201848"/>
+                  </a:lnTo>
+                  <a:lnTo>
+                    <a:pt x="705680" y="2168268"/>
+                  </a:lnTo>
+                  <a:lnTo>
+                    <a:pt x="784088" y="2134687"/>
+                  </a:lnTo>
+                  <a:lnTo>
+                    <a:pt x="862497" y="2101107"/>
+                  </a:lnTo>
+                  <a:lnTo>
+                    <a:pt x="940906" y="2067527"/>
+                  </a:lnTo>
+                  <a:lnTo>
+                    <a:pt x="1019315" y="2033947"/>
+                  </a:lnTo>
+                  <a:lnTo>
+                    <a:pt x="1097724" y="2000367"/>
+                  </a:lnTo>
+                  <a:lnTo>
+                    <a:pt x="1176133" y="1966786"/>
+                  </a:lnTo>
+                  <a:lnTo>
+                    <a:pt x="1254542" y="1933206"/>
+                  </a:lnTo>
+                  <a:lnTo>
+                    <a:pt x="1332951" y="1899626"/>
+                  </a:lnTo>
+                  <a:lnTo>
+                    <a:pt x="1411360" y="1866046"/>
+                  </a:lnTo>
+                  <a:lnTo>
+                    <a:pt x="1489769" y="1832466"/>
+                  </a:lnTo>
+                  <a:lnTo>
+                    <a:pt x="1568177" y="1798886"/>
+                  </a:lnTo>
+                  <a:lnTo>
+                    <a:pt x="1646586" y="1765305"/>
+                  </a:lnTo>
+                  <a:lnTo>
+                    <a:pt x="1724995" y="1731725"/>
+                  </a:lnTo>
+                  <a:lnTo>
+                    <a:pt x="1803404" y="1698145"/>
+                  </a:lnTo>
+                  <a:lnTo>
+                    <a:pt x="1881813" y="1664565"/>
+                  </a:lnTo>
+                  <a:lnTo>
+                    <a:pt x="1960222" y="1630985"/>
+                  </a:lnTo>
+                  <a:lnTo>
+                    <a:pt x="2038631" y="1597404"/>
+                  </a:lnTo>
+                  <a:lnTo>
+                    <a:pt x="2117040" y="1563824"/>
+                  </a:lnTo>
+                  <a:lnTo>
+                    <a:pt x="2195449" y="1530244"/>
+                  </a:lnTo>
+                  <a:lnTo>
+                    <a:pt x="2273858" y="1496664"/>
+                  </a:lnTo>
+                  <a:lnTo>
+                    <a:pt x="2238523" y="1417979"/>
+                  </a:lnTo>
+                  <a:lnTo>
+                    <a:pt x="2200467" y="1340573"/>
+                  </a:lnTo>
+                  <a:lnTo>
+                    <a:pt x="2159735" y="1264542"/>
+                  </a:lnTo>
+                  <a:lnTo>
+                    <a:pt x="2116377" y="1189977"/>
+                  </a:lnTo>
+                  <a:lnTo>
+                    <a:pt x="2070446" y="1116969"/>
+                  </a:lnTo>
+                  <a:lnTo>
+                    <a:pt x="2021997" y="1045606"/>
+                  </a:lnTo>
+                  <a:lnTo>
+                    <a:pt x="1971090" y="975976"/>
+                  </a:lnTo>
+                  <a:lnTo>
+                    <a:pt x="1917786" y="908164"/>
+                  </a:lnTo>
+                  <a:lnTo>
+                    <a:pt x="1862150" y="842250"/>
+                  </a:lnTo>
+                  <a:lnTo>
+                    <a:pt x="1804250" y="778317"/>
+                  </a:lnTo>
+                  <a:lnTo>
+                    <a:pt x="1744156" y="716441"/>
+                  </a:lnTo>
+                  <a:lnTo>
+                    <a:pt x="1681942" y="656699"/>
+                  </a:lnTo>
+                  <a:lnTo>
+                    <a:pt x="1617682" y="599161"/>
+                  </a:lnTo>
+                  <a:lnTo>
+                    <a:pt x="1551455" y="543899"/>
+                  </a:lnTo>
+                  <a:lnTo>
+                    <a:pt x="1483342" y="490979"/>
+                  </a:lnTo>
+                  <a:lnTo>
+                    <a:pt x="1413426" y="440466"/>
+                  </a:lnTo>
+                  <a:lnTo>
+                    <a:pt x="1341790" y="392422"/>
+                  </a:lnTo>
+                  <a:lnTo>
+                    <a:pt x="1268524" y="346904"/>
+                  </a:lnTo>
+                  <a:lnTo>
+                    <a:pt x="1193715" y="303969"/>
+                  </a:lnTo>
+                  <a:lnTo>
+                    <a:pt x="1117454" y="263668"/>
+                  </a:lnTo>
+                  <a:lnTo>
+                    <a:pt x="1039835" y="226050"/>
+                  </a:lnTo>
+                  <a:lnTo>
+                    <a:pt x="960951" y="191161"/>
+                  </a:lnTo>
+                  <a:lnTo>
+                    <a:pt x="880899" y="159043"/>
+                  </a:lnTo>
+                  <a:lnTo>
+                    <a:pt x="799776" y="129736"/>
+                  </a:lnTo>
+                  <a:lnTo>
+                    <a:pt x="717680" y="103275"/>
+                  </a:lnTo>
+                  <a:lnTo>
+                    <a:pt x="634712" y="79693"/>
+                  </a:lnTo>
+                  <a:lnTo>
+                    <a:pt x="550972" y="59017"/>
+                  </a:lnTo>
+                  <a:lnTo>
+                    <a:pt x="466562" y="41274"/>
+                  </a:lnTo>
+                  <a:lnTo>
+                    <a:pt x="381584" y="26484"/>
+                  </a:lnTo>
+                  <a:lnTo>
+                    <a:pt x="296143" y="14666"/>
+                  </a:lnTo>
+                  <a:lnTo>
+                    <a:pt x="210342" y="5835"/>
+                  </a:lnTo>
+                  <a:lnTo>
+                    <a:pt x="124285" y="0"/>
+                  </a:lnTo>
+                  <a:lnTo>
+                    <a:pt x="119999" y="85189"/>
+                  </a:lnTo>
+                  <a:lnTo>
+                    <a:pt x="115713" y="170378"/>
+                  </a:lnTo>
+                  <a:lnTo>
+                    <a:pt x="111427" y="255567"/>
+                  </a:lnTo>
+                  <a:lnTo>
+                    <a:pt x="107142" y="340757"/>
+                  </a:lnTo>
+                  <a:lnTo>
+                    <a:pt x="102856" y="425946"/>
+                  </a:lnTo>
+                  <a:lnTo>
+                    <a:pt x="98570" y="511135"/>
+                  </a:lnTo>
+                  <a:lnTo>
+                    <a:pt x="94285" y="596325"/>
+                  </a:lnTo>
+                  <a:lnTo>
+                    <a:pt x="89999" y="681514"/>
+                  </a:lnTo>
+                  <a:lnTo>
+                    <a:pt x="85713" y="766703"/>
+                  </a:lnTo>
+                  <a:lnTo>
+                    <a:pt x="81428" y="851892"/>
+                  </a:lnTo>
+                  <a:lnTo>
+                    <a:pt x="77142" y="937082"/>
+                  </a:lnTo>
+                  <a:lnTo>
+                    <a:pt x="72856" y="1022271"/>
+                  </a:lnTo>
+                  <a:lnTo>
+                    <a:pt x="68571" y="1107460"/>
+                  </a:lnTo>
+                  <a:lnTo>
+                    <a:pt x="64285" y="1192650"/>
+                  </a:lnTo>
+                  <a:lnTo>
+                    <a:pt x="59999" y="1277839"/>
+                  </a:lnTo>
+                  <a:lnTo>
+                    <a:pt x="55713" y="1363028"/>
+                  </a:lnTo>
+                  <a:lnTo>
+                    <a:pt x="51428" y="1448218"/>
+                  </a:lnTo>
+                  <a:lnTo>
+                    <a:pt x="47142" y="1533407"/>
+                  </a:lnTo>
+                  <a:lnTo>
+                    <a:pt x="42856" y="1618596"/>
+                  </a:lnTo>
+                  <a:lnTo>
+                    <a:pt x="38571" y="1703785"/>
+                  </a:lnTo>
+                  <a:lnTo>
+                    <a:pt x="34285" y="1788975"/>
+                  </a:lnTo>
+                  <a:lnTo>
+                    <a:pt x="29999" y="1874164"/>
+                  </a:lnTo>
+                  <a:lnTo>
+                    <a:pt x="25714" y="1959353"/>
+                  </a:lnTo>
+                  <a:lnTo>
+                    <a:pt x="21428" y="2044543"/>
+                  </a:lnTo>
+                  <a:lnTo>
+                    <a:pt x="17142" y="2129732"/>
+                  </a:lnTo>
+                  <a:lnTo>
+                    <a:pt x="12857" y="2214921"/>
+                  </a:lnTo>
+                  <a:lnTo>
+                    <a:pt x="8571" y="2300111"/>
+                  </a:lnTo>
+                  <a:lnTo>
+                    <a:pt x="4285" y="2385300"/>
                   </a:lnTo>
                   <a:close/>
                 </a:path>
               </a:pathLst>
             </a:custGeom>
             <a:solidFill>
-              <a:srgbClr val="A58AFF">
+              <a:srgbClr val="619CFF">
                 <a:alpha val="100000"/>
               </a:srgbClr>
             </a:solidFill>
@@ -2825,199 +2825,199 @@
           </p:nvSpPr>
           <p:spPr>
             <a:xfrm>
-              <a:off x="5486400" y="3183590"/>
-              <a:ext cx="2310546" cy="1039591"/>
+              <a:off x="5486400" y="3249357"/>
+              <a:ext cx="2336703" cy="973825"/>
             </a:xfrm>
             <a:custGeom>
               <a:avLst/>
               <a:pathLst>
-                <a:path w="2310546" h="1039591">
+                <a:path w="2336703" h="973825">
                   <a:moveTo>
-                    <a:pt x="0" y="1039591"/>
+                    <a:pt x="0" y="973825"/>
                   </a:moveTo>
                   <a:lnTo>
-                    <a:pt x="79674" y="1009134"/>
-                  </a:lnTo>
-                  <a:lnTo>
-                    <a:pt x="159348" y="978677"/>
-                  </a:lnTo>
-                  <a:lnTo>
-                    <a:pt x="239022" y="948220"/>
-                  </a:lnTo>
-                  <a:lnTo>
-                    <a:pt x="318696" y="917763"/>
-                  </a:lnTo>
-                  <a:lnTo>
-                    <a:pt x="398370" y="887306"/>
-                  </a:lnTo>
-                  <a:lnTo>
-                    <a:pt x="478044" y="856849"/>
-                  </a:lnTo>
-                  <a:lnTo>
-                    <a:pt x="557718" y="826392"/>
-                  </a:lnTo>
-                  <a:lnTo>
-                    <a:pt x="637392" y="795935"/>
-                  </a:lnTo>
-                  <a:lnTo>
-                    <a:pt x="717066" y="765477"/>
-                  </a:lnTo>
-                  <a:lnTo>
-                    <a:pt x="796740" y="735020"/>
-                  </a:lnTo>
-                  <a:lnTo>
-                    <a:pt x="876414" y="704563"/>
-                  </a:lnTo>
-                  <a:lnTo>
-                    <a:pt x="956088" y="674106"/>
-                  </a:lnTo>
-                  <a:lnTo>
-                    <a:pt x="1035762" y="643649"/>
-                  </a:lnTo>
-                  <a:lnTo>
-                    <a:pt x="1115436" y="613192"/>
-                  </a:lnTo>
-                  <a:lnTo>
-                    <a:pt x="1195110" y="582735"/>
-                  </a:lnTo>
-                  <a:lnTo>
-                    <a:pt x="1274784" y="552278"/>
-                  </a:lnTo>
-                  <a:lnTo>
-                    <a:pt x="1354458" y="521821"/>
-                  </a:lnTo>
-                  <a:lnTo>
-                    <a:pt x="1434132" y="491363"/>
-                  </a:lnTo>
-                  <a:lnTo>
-                    <a:pt x="1513806" y="460906"/>
-                  </a:lnTo>
-                  <a:lnTo>
-                    <a:pt x="1593480" y="430449"/>
-                  </a:lnTo>
-                  <a:lnTo>
-                    <a:pt x="1673154" y="399992"/>
-                  </a:lnTo>
-                  <a:lnTo>
-                    <a:pt x="1752828" y="369535"/>
-                  </a:lnTo>
-                  <a:lnTo>
-                    <a:pt x="1832502" y="339078"/>
-                  </a:lnTo>
-                  <a:lnTo>
-                    <a:pt x="1912176" y="308621"/>
-                  </a:lnTo>
-                  <a:lnTo>
-                    <a:pt x="1991850" y="278164"/>
-                  </a:lnTo>
-                  <a:lnTo>
-                    <a:pt x="2071524" y="247707"/>
-                  </a:lnTo>
-                  <a:lnTo>
-                    <a:pt x="2151198" y="217249"/>
-                  </a:lnTo>
-                  <a:lnTo>
-                    <a:pt x="2230872" y="186792"/>
-                  </a:lnTo>
-                  <a:lnTo>
-                    <a:pt x="2310546" y="156335"/>
-                  </a:lnTo>
-                  <a:lnTo>
-                    <a:pt x="2278890" y="77601"/>
-                  </a:lnTo>
-                  <a:lnTo>
-                    <a:pt x="2244552" y="0"/>
-                  </a:lnTo>
-                  <a:lnTo>
-                    <a:pt x="2167153" y="35847"/>
-                  </a:lnTo>
-                  <a:lnTo>
-                    <a:pt x="2089755" y="71695"/>
-                  </a:lnTo>
-                  <a:lnTo>
-                    <a:pt x="2012357" y="107543"/>
-                  </a:lnTo>
-                  <a:lnTo>
-                    <a:pt x="1934958" y="143391"/>
-                  </a:lnTo>
-                  <a:lnTo>
-                    <a:pt x="1857560" y="179239"/>
-                  </a:lnTo>
-                  <a:lnTo>
-                    <a:pt x="1780162" y="215087"/>
-                  </a:lnTo>
-                  <a:lnTo>
-                    <a:pt x="1702763" y="250935"/>
-                  </a:lnTo>
-                  <a:lnTo>
-                    <a:pt x="1625365" y="286783"/>
-                  </a:lnTo>
-                  <a:lnTo>
-                    <a:pt x="1547967" y="322631"/>
-                  </a:lnTo>
-                  <a:lnTo>
-                    <a:pt x="1470568" y="358479"/>
-                  </a:lnTo>
-                  <a:lnTo>
-                    <a:pt x="1393170" y="394327"/>
-                  </a:lnTo>
-                  <a:lnTo>
-                    <a:pt x="1315771" y="430175"/>
-                  </a:lnTo>
-                  <a:lnTo>
-                    <a:pt x="1238373" y="466023"/>
-                  </a:lnTo>
-                  <a:lnTo>
-                    <a:pt x="1160975" y="501871"/>
-                  </a:lnTo>
-                  <a:lnTo>
-                    <a:pt x="1083576" y="537719"/>
-                  </a:lnTo>
-                  <a:lnTo>
-                    <a:pt x="1006178" y="573567"/>
-                  </a:lnTo>
-                  <a:lnTo>
-                    <a:pt x="928780" y="609415"/>
-                  </a:lnTo>
-                  <a:lnTo>
-                    <a:pt x="851381" y="645263"/>
-                  </a:lnTo>
-                  <a:lnTo>
-                    <a:pt x="773983" y="681111"/>
-                  </a:lnTo>
-                  <a:lnTo>
-                    <a:pt x="696585" y="716959"/>
-                  </a:lnTo>
-                  <a:lnTo>
-                    <a:pt x="619186" y="752807"/>
-                  </a:lnTo>
-                  <a:lnTo>
-                    <a:pt x="541788" y="788655"/>
-                  </a:lnTo>
-                  <a:lnTo>
-                    <a:pt x="464390" y="824503"/>
-                  </a:lnTo>
-                  <a:lnTo>
-                    <a:pt x="386991" y="860351"/>
-                  </a:lnTo>
-                  <a:lnTo>
-                    <a:pt x="309593" y="896199"/>
-                  </a:lnTo>
-                  <a:lnTo>
-                    <a:pt x="232195" y="932047"/>
-                  </a:lnTo>
-                  <a:lnTo>
-                    <a:pt x="154796" y="967895"/>
-                  </a:lnTo>
-                  <a:lnTo>
-                    <a:pt x="77398" y="1003743"/>
+                    <a:pt x="80575" y="945841"/>
+                  </a:lnTo>
+                  <a:lnTo>
+                    <a:pt x="161151" y="917857"/>
+                  </a:lnTo>
+                  <a:lnTo>
+                    <a:pt x="241727" y="889873"/>
+                  </a:lnTo>
+                  <a:lnTo>
+                    <a:pt x="322303" y="861889"/>
+                  </a:lnTo>
+                  <a:lnTo>
+                    <a:pt x="402879" y="833905"/>
+                  </a:lnTo>
+                  <a:lnTo>
+                    <a:pt x="483455" y="805922"/>
+                  </a:lnTo>
+                  <a:lnTo>
+                    <a:pt x="564031" y="777938"/>
+                  </a:lnTo>
+                  <a:lnTo>
+                    <a:pt x="644607" y="749954"/>
+                  </a:lnTo>
+                  <a:lnTo>
+                    <a:pt x="725183" y="721970"/>
+                  </a:lnTo>
+                  <a:lnTo>
+                    <a:pt x="805759" y="693986"/>
+                  </a:lnTo>
+                  <a:lnTo>
+                    <a:pt x="886335" y="666002"/>
+                  </a:lnTo>
+                  <a:lnTo>
+                    <a:pt x="966911" y="638018"/>
+                  </a:lnTo>
+                  <a:lnTo>
+                    <a:pt x="1047487" y="610035"/>
+                  </a:lnTo>
+                  <a:lnTo>
+                    <a:pt x="1128063" y="582051"/>
+                  </a:lnTo>
+                  <a:lnTo>
+                    <a:pt x="1208639" y="554067"/>
+                  </a:lnTo>
+                  <a:lnTo>
+                    <a:pt x="1289215" y="526083"/>
+                  </a:lnTo>
+                  <a:lnTo>
+                    <a:pt x="1369791" y="498099"/>
+                  </a:lnTo>
+                  <a:lnTo>
+                    <a:pt x="1450367" y="470115"/>
+                  </a:lnTo>
+                  <a:lnTo>
+                    <a:pt x="1530943" y="442131"/>
+                  </a:lnTo>
+                  <a:lnTo>
+                    <a:pt x="1611519" y="414148"/>
+                  </a:lnTo>
+                  <a:lnTo>
+                    <a:pt x="1692095" y="386164"/>
+                  </a:lnTo>
+                  <a:lnTo>
+                    <a:pt x="1772671" y="358180"/>
+                  </a:lnTo>
+                  <a:lnTo>
+                    <a:pt x="1853247" y="330196"/>
+                  </a:lnTo>
+                  <a:lnTo>
+                    <a:pt x="1933823" y="302212"/>
+                  </a:lnTo>
+                  <a:lnTo>
+                    <a:pt x="2014399" y="274228"/>
+                  </a:lnTo>
+                  <a:lnTo>
+                    <a:pt x="2094975" y="246245"/>
+                  </a:lnTo>
+                  <a:lnTo>
+                    <a:pt x="2175551" y="218261"/>
+                  </a:lnTo>
+                  <a:lnTo>
+                    <a:pt x="2256127" y="190277"/>
+                  </a:lnTo>
+                  <a:lnTo>
+                    <a:pt x="2336703" y="162293"/>
+                  </a:lnTo>
+                  <a:lnTo>
+                    <a:pt x="2306708" y="80593"/>
+                  </a:lnTo>
+                  <a:lnTo>
+                    <a:pt x="2273858" y="0"/>
+                  </a:lnTo>
+                  <a:lnTo>
+                    <a:pt x="2195449" y="33580"/>
+                  </a:lnTo>
+                  <a:lnTo>
+                    <a:pt x="2117040" y="67160"/>
+                  </a:lnTo>
+                  <a:lnTo>
+                    <a:pt x="2038631" y="100740"/>
+                  </a:lnTo>
+                  <a:lnTo>
+                    <a:pt x="1960222" y="134320"/>
+                  </a:lnTo>
+                  <a:lnTo>
+                    <a:pt x="1881813" y="167900"/>
+                  </a:lnTo>
+                  <a:lnTo>
+                    <a:pt x="1803404" y="201481"/>
+                  </a:lnTo>
+                  <a:lnTo>
+                    <a:pt x="1724995" y="235061"/>
+                  </a:lnTo>
+                  <a:lnTo>
+                    <a:pt x="1646586" y="268641"/>
+                  </a:lnTo>
+                  <a:lnTo>
+                    <a:pt x="1568177" y="302221"/>
+                  </a:lnTo>
+                  <a:lnTo>
+                    <a:pt x="1489769" y="335801"/>
+                  </a:lnTo>
+                  <a:lnTo>
+                    <a:pt x="1411360" y="369381"/>
+                  </a:lnTo>
+                  <a:lnTo>
+                    <a:pt x="1332951" y="402962"/>
+                  </a:lnTo>
+                  <a:lnTo>
+                    <a:pt x="1254542" y="436542"/>
+                  </a:lnTo>
+                  <a:lnTo>
+                    <a:pt x="1176133" y="470122"/>
+                  </a:lnTo>
+                  <a:lnTo>
+                    <a:pt x="1097724" y="503702"/>
+                  </a:lnTo>
+                  <a:lnTo>
+                    <a:pt x="1019315" y="537282"/>
+                  </a:lnTo>
+                  <a:lnTo>
+                    <a:pt x="940906" y="570863"/>
+                  </a:lnTo>
+                  <a:lnTo>
+                    <a:pt x="862497" y="604443"/>
+                  </a:lnTo>
+                  <a:lnTo>
+                    <a:pt x="784088" y="638023"/>
+                  </a:lnTo>
+                  <a:lnTo>
+                    <a:pt x="705680" y="671603"/>
+                  </a:lnTo>
+                  <a:lnTo>
+                    <a:pt x="627271" y="705183"/>
+                  </a:lnTo>
+                  <a:lnTo>
+                    <a:pt x="548862" y="738763"/>
+                  </a:lnTo>
+                  <a:lnTo>
+                    <a:pt x="470453" y="772344"/>
+                  </a:lnTo>
+                  <a:lnTo>
+                    <a:pt x="392044" y="805924"/>
+                  </a:lnTo>
+                  <a:lnTo>
+                    <a:pt x="313635" y="839504"/>
+                  </a:lnTo>
+                  <a:lnTo>
+                    <a:pt x="235226" y="873084"/>
+                  </a:lnTo>
+                  <a:lnTo>
+                    <a:pt x="156817" y="906664"/>
+                  </a:lnTo>
+                  <a:lnTo>
+                    <a:pt x="78408" y="940245"/>
                   </a:lnTo>
                   <a:close/>
                 </a:path>
               </a:pathLst>
             </a:custGeom>
             <a:solidFill>
-              <a:srgbClr val="00B6EB">
+              <a:srgbClr val="00BFC4">
                 <a:alpha val="100000"/>
               </a:srgbClr>
             </a:solidFill>
@@ -3045,196 +3045,196 @@
           </p:nvSpPr>
           <p:spPr>
             <a:xfrm>
-              <a:off x="5486400" y="3339926"/>
-              <a:ext cx="2358468" cy="883256"/>
+              <a:off x="5486400" y="3411650"/>
+              <a:ext cx="2374526" cy="811531"/>
             </a:xfrm>
             <a:custGeom>
               <a:avLst/>
               <a:pathLst>
-                <a:path w="2358468" h="883256">
+                <a:path w="2374526" h="811531">
                   <a:moveTo>
-                    <a:pt x="0" y="883256"/>
+                    <a:pt x="0" y="811531"/>
                   </a:moveTo>
                   <a:lnTo>
-                    <a:pt x="81326" y="857534"/>
-                  </a:lnTo>
-                  <a:lnTo>
-                    <a:pt x="162652" y="831813"/>
-                  </a:lnTo>
-                  <a:lnTo>
-                    <a:pt x="243979" y="806092"/>
-                  </a:lnTo>
-                  <a:lnTo>
-                    <a:pt x="325305" y="780371"/>
-                  </a:lnTo>
-                  <a:lnTo>
-                    <a:pt x="406632" y="754649"/>
-                  </a:lnTo>
-                  <a:lnTo>
-                    <a:pt x="487958" y="728928"/>
-                  </a:lnTo>
-                  <a:lnTo>
-                    <a:pt x="569285" y="703207"/>
-                  </a:lnTo>
-                  <a:lnTo>
-                    <a:pt x="650611" y="677485"/>
-                  </a:lnTo>
-                  <a:lnTo>
-                    <a:pt x="731938" y="651764"/>
-                  </a:lnTo>
-                  <a:lnTo>
-                    <a:pt x="813264" y="626043"/>
-                  </a:lnTo>
-                  <a:lnTo>
-                    <a:pt x="894591" y="600322"/>
-                  </a:lnTo>
-                  <a:lnTo>
-                    <a:pt x="975917" y="574600"/>
-                  </a:lnTo>
-                  <a:lnTo>
-                    <a:pt x="1057244" y="548879"/>
-                  </a:lnTo>
-                  <a:lnTo>
-                    <a:pt x="1138570" y="523158"/>
-                  </a:lnTo>
-                  <a:lnTo>
-                    <a:pt x="1219897" y="497436"/>
-                  </a:lnTo>
-                  <a:lnTo>
-                    <a:pt x="1301223" y="471715"/>
-                  </a:lnTo>
-                  <a:lnTo>
-                    <a:pt x="1382550" y="445994"/>
-                  </a:lnTo>
-                  <a:lnTo>
-                    <a:pt x="1463876" y="420273"/>
-                  </a:lnTo>
-                  <a:lnTo>
-                    <a:pt x="1545203" y="394551"/>
-                  </a:lnTo>
-                  <a:lnTo>
-                    <a:pt x="1626529" y="368830"/>
-                  </a:lnTo>
-                  <a:lnTo>
-                    <a:pt x="1707856" y="343109"/>
-                  </a:lnTo>
-                  <a:lnTo>
-                    <a:pt x="1789182" y="317387"/>
-                  </a:lnTo>
-                  <a:lnTo>
-                    <a:pt x="1870509" y="291666"/>
-                  </a:lnTo>
-                  <a:lnTo>
-                    <a:pt x="1951835" y="265945"/>
-                  </a:lnTo>
-                  <a:lnTo>
-                    <a:pt x="2033162" y="240224"/>
-                  </a:lnTo>
-                  <a:lnTo>
-                    <a:pt x="2114488" y="214502"/>
-                  </a:lnTo>
-                  <a:lnTo>
-                    <a:pt x="2195815" y="188781"/>
-                  </a:lnTo>
-                  <a:lnTo>
-                    <a:pt x="2277141" y="163060"/>
-                  </a:lnTo>
-                  <a:lnTo>
-                    <a:pt x="2358468" y="137338"/>
-                  </a:lnTo>
-                  <a:lnTo>
-                    <a:pt x="2310546" y="0"/>
-                  </a:lnTo>
-                  <a:lnTo>
-                    <a:pt x="2230872" y="30457"/>
-                  </a:lnTo>
-                  <a:lnTo>
-                    <a:pt x="2151198" y="60914"/>
-                  </a:lnTo>
-                  <a:lnTo>
-                    <a:pt x="2071524" y="91371"/>
-                  </a:lnTo>
-                  <a:lnTo>
-                    <a:pt x="1991850" y="121828"/>
-                  </a:lnTo>
-                  <a:lnTo>
-                    <a:pt x="1912176" y="152285"/>
-                  </a:lnTo>
-                  <a:lnTo>
-                    <a:pt x="1832502" y="182742"/>
-                  </a:lnTo>
-                  <a:lnTo>
-                    <a:pt x="1752828" y="213199"/>
-                  </a:lnTo>
-                  <a:lnTo>
-                    <a:pt x="1673154" y="243656"/>
-                  </a:lnTo>
-                  <a:lnTo>
-                    <a:pt x="1593480" y="274114"/>
-                  </a:lnTo>
-                  <a:lnTo>
-                    <a:pt x="1513806" y="304571"/>
-                  </a:lnTo>
-                  <a:lnTo>
-                    <a:pt x="1434132" y="335028"/>
-                  </a:lnTo>
-                  <a:lnTo>
-                    <a:pt x="1354458" y="365485"/>
-                  </a:lnTo>
-                  <a:lnTo>
-                    <a:pt x="1274784" y="395942"/>
-                  </a:lnTo>
-                  <a:lnTo>
-                    <a:pt x="1195110" y="426399"/>
-                  </a:lnTo>
-                  <a:lnTo>
-                    <a:pt x="1115436" y="456856"/>
-                  </a:lnTo>
-                  <a:lnTo>
-                    <a:pt x="1035762" y="487313"/>
-                  </a:lnTo>
-                  <a:lnTo>
-                    <a:pt x="956088" y="517770"/>
-                  </a:lnTo>
-                  <a:lnTo>
-                    <a:pt x="876414" y="548228"/>
-                  </a:lnTo>
-                  <a:lnTo>
-                    <a:pt x="796740" y="578685"/>
-                  </a:lnTo>
-                  <a:lnTo>
-                    <a:pt x="717066" y="609142"/>
-                  </a:lnTo>
-                  <a:lnTo>
-                    <a:pt x="637392" y="639599"/>
-                  </a:lnTo>
-                  <a:lnTo>
-                    <a:pt x="557718" y="670056"/>
-                  </a:lnTo>
-                  <a:lnTo>
-                    <a:pt x="478044" y="700513"/>
-                  </a:lnTo>
-                  <a:lnTo>
-                    <a:pt x="398370" y="730970"/>
-                  </a:lnTo>
-                  <a:lnTo>
-                    <a:pt x="318696" y="761427"/>
-                  </a:lnTo>
-                  <a:lnTo>
-                    <a:pt x="239022" y="791884"/>
-                  </a:lnTo>
-                  <a:lnTo>
-                    <a:pt x="159348" y="822342"/>
-                  </a:lnTo>
-                  <a:lnTo>
-                    <a:pt x="79674" y="852799"/>
+                    <a:pt x="81880" y="787631"/>
+                  </a:lnTo>
+                  <a:lnTo>
+                    <a:pt x="163760" y="763731"/>
+                  </a:lnTo>
+                  <a:lnTo>
+                    <a:pt x="245640" y="739831"/>
+                  </a:lnTo>
+                  <a:lnTo>
+                    <a:pt x="327520" y="715931"/>
+                  </a:lnTo>
+                  <a:lnTo>
+                    <a:pt x="409401" y="692031"/>
+                  </a:lnTo>
+                  <a:lnTo>
+                    <a:pt x="491281" y="668131"/>
+                  </a:lnTo>
+                  <a:lnTo>
+                    <a:pt x="573161" y="644231"/>
+                  </a:lnTo>
+                  <a:lnTo>
+                    <a:pt x="655041" y="620331"/>
+                  </a:lnTo>
+                  <a:lnTo>
+                    <a:pt x="736922" y="596431"/>
+                  </a:lnTo>
+                  <a:lnTo>
+                    <a:pt x="818802" y="572531"/>
+                  </a:lnTo>
+                  <a:lnTo>
+                    <a:pt x="900682" y="548631"/>
+                  </a:lnTo>
+                  <a:lnTo>
+                    <a:pt x="982562" y="524731"/>
+                  </a:lnTo>
+                  <a:lnTo>
+                    <a:pt x="1064443" y="500831"/>
+                  </a:lnTo>
+                  <a:lnTo>
+                    <a:pt x="1146323" y="476931"/>
+                  </a:lnTo>
+                  <a:lnTo>
+                    <a:pt x="1228203" y="453031"/>
+                  </a:lnTo>
+                  <a:lnTo>
+                    <a:pt x="1310083" y="429131"/>
+                  </a:lnTo>
+                  <a:lnTo>
+                    <a:pt x="1391963" y="405231"/>
+                  </a:lnTo>
+                  <a:lnTo>
+                    <a:pt x="1473844" y="381331"/>
+                  </a:lnTo>
+                  <a:lnTo>
+                    <a:pt x="1555724" y="357431"/>
+                  </a:lnTo>
+                  <a:lnTo>
+                    <a:pt x="1637604" y="333531"/>
+                  </a:lnTo>
+                  <a:lnTo>
+                    <a:pt x="1719484" y="309631"/>
+                  </a:lnTo>
+                  <a:lnTo>
+                    <a:pt x="1801365" y="285731"/>
+                  </a:lnTo>
+                  <a:lnTo>
+                    <a:pt x="1883245" y="261831"/>
+                  </a:lnTo>
+                  <a:lnTo>
+                    <a:pt x="1965125" y="237931"/>
+                  </a:lnTo>
+                  <a:lnTo>
+                    <a:pt x="2047005" y="214031"/>
+                  </a:lnTo>
+                  <a:lnTo>
+                    <a:pt x="2128886" y="190131"/>
+                  </a:lnTo>
+                  <a:lnTo>
+                    <a:pt x="2210766" y="166231"/>
+                  </a:lnTo>
+                  <a:lnTo>
+                    <a:pt x="2292646" y="142331"/>
+                  </a:lnTo>
+                  <a:lnTo>
+                    <a:pt x="2374526" y="118431"/>
+                  </a:lnTo>
+                  <a:lnTo>
+                    <a:pt x="2336703" y="0"/>
+                  </a:lnTo>
+                  <a:lnTo>
+                    <a:pt x="2256127" y="27983"/>
+                  </a:lnTo>
+                  <a:lnTo>
+                    <a:pt x="2175551" y="55967"/>
+                  </a:lnTo>
+                  <a:lnTo>
+                    <a:pt x="2094975" y="83951"/>
+                  </a:lnTo>
+                  <a:lnTo>
+                    <a:pt x="2014399" y="111935"/>
+                  </a:lnTo>
+                  <a:lnTo>
+                    <a:pt x="1933823" y="139919"/>
+                  </a:lnTo>
+                  <a:lnTo>
+                    <a:pt x="1853247" y="167903"/>
+                  </a:lnTo>
+                  <a:lnTo>
+                    <a:pt x="1772671" y="195886"/>
+                  </a:lnTo>
+                  <a:lnTo>
+                    <a:pt x="1692095" y="223870"/>
+                  </a:lnTo>
+                  <a:lnTo>
+                    <a:pt x="1611519" y="251854"/>
+                  </a:lnTo>
+                  <a:lnTo>
+                    <a:pt x="1530943" y="279838"/>
+                  </a:lnTo>
+                  <a:lnTo>
+                    <a:pt x="1450367" y="307822"/>
+                  </a:lnTo>
+                  <a:lnTo>
+                    <a:pt x="1369791" y="335806"/>
+                  </a:lnTo>
+                  <a:lnTo>
+                    <a:pt x="1289215" y="363790"/>
+                  </a:lnTo>
+                  <a:lnTo>
+                    <a:pt x="1208639" y="391773"/>
+                  </a:lnTo>
+                  <a:lnTo>
+                    <a:pt x="1128063" y="419757"/>
+                  </a:lnTo>
+                  <a:lnTo>
+                    <a:pt x="1047487" y="447741"/>
+                  </a:lnTo>
+                  <a:lnTo>
+                    <a:pt x="966911" y="475725"/>
+                  </a:lnTo>
+                  <a:lnTo>
+                    <a:pt x="886335" y="503709"/>
+                  </a:lnTo>
+                  <a:lnTo>
+                    <a:pt x="805759" y="531693"/>
+                  </a:lnTo>
+                  <a:lnTo>
+                    <a:pt x="725183" y="559677"/>
+                  </a:lnTo>
+                  <a:lnTo>
+                    <a:pt x="644607" y="587660"/>
+                  </a:lnTo>
+                  <a:lnTo>
+                    <a:pt x="564031" y="615644"/>
+                  </a:lnTo>
+                  <a:lnTo>
+                    <a:pt x="483455" y="643628"/>
+                  </a:lnTo>
+                  <a:lnTo>
+                    <a:pt x="402879" y="671612"/>
+                  </a:lnTo>
+                  <a:lnTo>
+                    <a:pt x="322303" y="699596"/>
+                  </a:lnTo>
+                  <a:lnTo>
+                    <a:pt x="241727" y="727580"/>
+                  </a:lnTo>
+                  <a:lnTo>
+                    <a:pt x="161151" y="755564"/>
+                  </a:lnTo>
+                  <a:lnTo>
+                    <a:pt x="80575" y="783547"/>
                   </a:lnTo>
                   <a:close/>
                 </a:path>
               </a:pathLst>
             </a:custGeom>
             <a:solidFill>
-              <a:srgbClr val="00C094">
+              <a:srgbClr val="00BA38">
                 <a:alpha val="100000"/>
               </a:srgbClr>
             </a:solidFill>
@@ -3262,202 +3262,202 @@
           </p:nvSpPr>
           <p:spPr>
             <a:xfrm>
-              <a:off x="5486400" y="3477265"/>
-              <a:ext cx="2429708" cy="745917"/>
+              <a:off x="5486400" y="3530081"/>
+              <a:ext cx="2440680" cy="693100"/>
             </a:xfrm>
             <a:custGeom>
               <a:avLst/>
               <a:pathLst>
-                <a:path w="2429708" h="745917">
+                <a:path w="2440680" h="693100">
                   <a:moveTo>
-                    <a:pt x="0" y="745917"/>
+                    <a:pt x="0" y="693100"/>
                   </a:moveTo>
                   <a:lnTo>
-                    <a:pt x="83783" y="729917"/>
-                  </a:lnTo>
-                  <a:lnTo>
-                    <a:pt x="167566" y="713918"/>
-                  </a:lnTo>
-                  <a:lnTo>
-                    <a:pt x="251349" y="697918"/>
-                  </a:lnTo>
-                  <a:lnTo>
-                    <a:pt x="335132" y="681919"/>
-                  </a:lnTo>
-                  <a:lnTo>
-                    <a:pt x="418915" y="665919"/>
-                  </a:lnTo>
-                  <a:lnTo>
-                    <a:pt x="502698" y="649920"/>
-                  </a:lnTo>
-                  <a:lnTo>
-                    <a:pt x="586481" y="633920"/>
-                  </a:lnTo>
-                  <a:lnTo>
-                    <a:pt x="670264" y="617921"/>
-                  </a:lnTo>
-                  <a:lnTo>
-                    <a:pt x="754047" y="601921"/>
-                  </a:lnTo>
-                  <a:lnTo>
-                    <a:pt x="837830" y="585922"/>
-                  </a:lnTo>
-                  <a:lnTo>
-                    <a:pt x="921613" y="569922"/>
-                  </a:lnTo>
-                  <a:lnTo>
-                    <a:pt x="1005396" y="553923"/>
-                  </a:lnTo>
-                  <a:lnTo>
-                    <a:pt x="1089179" y="537923"/>
-                  </a:lnTo>
-                  <a:lnTo>
-                    <a:pt x="1172962" y="521924"/>
-                  </a:lnTo>
-                  <a:lnTo>
-                    <a:pt x="1256745" y="505924"/>
-                  </a:lnTo>
-                  <a:lnTo>
-                    <a:pt x="1340528" y="489925"/>
-                  </a:lnTo>
-                  <a:lnTo>
-                    <a:pt x="1424311" y="473925"/>
-                  </a:lnTo>
-                  <a:lnTo>
-                    <a:pt x="1508094" y="457926"/>
-                  </a:lnTo>
-                  <a:lnTo>
-                    <a:pt x="1591877" y="441926"/>
-                  </a:lnTo>
-                  <a:lnTo>
-                    <a:pt x="1675661" y="425927"/>
-                  </a:lnTo>
-                  <a:lnTo>
-                    <a:pt x="1759444" y="409927"/>
-                  </a:lnTo>
-                  <a:lnTo>
-                    <a:pt x="1843227" y="393928"/>
-                  </a:lnTo>
-                  <a:lnTo>
-                    <a:pt x="1927010" y="377929"/>
-                  </a:lnTo>
-                  <a:lnTo>
-                    <a:pt x="2010793" y="361929"/>
-                  </a:lnTo>
-                  <a:lnTo>
-                    <a:pt x="2094576" y="345930"/>
-                  </a:lnTo>
-                  <a:lnTo>
-                    <a:pt x="2178359" y="329930"/>
-                  </a:lnTo>
-                  <a:lnTo>
-                    <a:pt x="2262142" y="313931"/>
-                  </a:lnTo>
-                  <a:lnTo>
-                    <a:pt x="2345925" y="297931"/>
-                  </a:lnTo>
-                  <a:lnTo>
-                    <a:pt x="2429708" y="281932"/>
-                  </a:lnTo>
-                  <a:lnTo>
-                    <a:pt x="2409653" y="187047"/>
-                  </a:lnTo>
-                  <a:lnTo>
-                    <a:pt x="2385894" y="93021"/>
-                  </a:lnTo>
-                  <a:lnTo>
-                    <a:pt x="2358468" y="0"/>
-                  </a:lnTo>
-                  <a:lnTo>
-                    <a:pt x="2277141" y="25721"/>
-                  </a:lnTo>
-                  <a:lnTo>
-                    <a:pt x="2195815" y="51442"/>
-                  </a:lnTo>
-                  <a:lnTo>
-                    <a:pt x="2114488" y="77163"/>
-                  </a:lnTo>
-                  <a:lnTo>
-                    <a:pt x="2033162" y="102885"/>
-                  </a:lnTo>
-                  <a:lnTo>
-                    <a:pt x="1951835" y="128606"/>
-                  </a:lnTo>
-                  <a:lnTo>
-                    <a:pt x="1870509" y="154327"/>
-                  </a:lnTo>
-                  <a:lnTo>
-                    <a:pt x="1789182" y="180049"/>
-                  </a:lnTo>
-                  <a:lnTo>
-                    <a:pt x="1707856" y="205770"/>
-                  </a:lnTo>
-                  <a:lnTo>
-                    <a:pt x="1626529" y="231491"/>
-                  </a:lnTo>
-                  <a:lnTo>
-                    <a:pt x="1545203" y="257212"/>
-                  </a:lnTo>
-                  <a:lnTo>
-                    <a:pt x="1463876" y="282934"/>
-                  </a:lnTo>
-                  <a:lnTo>
-                    <a:pt x="1382550" y="308655"/>
-                  </a:lnTo>
-                  <a:lnTo>
-                    <a:pt x="1301223" y="334376"/>
-                  </a:lnTo>
-                  <a:lnTo>
-                    <a:pt x="1219897" y="360098"/>
-                  </a:lnTo>
-                  <a:lnTo>
-                    <a:pt x="1138570" y="385819"/>
-                  </a:lnTo>
-                  <a:lnTo>
-                    <a:pt x="1057244" y="411540"/>
-                  </a:lnTo>
-                  <a:lnTo>
-                    <a:pt x="975917" y="437261"/>
-                  </a:lnTo>
-                  <a:lnTo>
-                    <a:pt x="894591" y="462983"/>
-                  </a:lnTo>
-                  <a:lnTo>
-                    <a:pt x="813264" y="488704"/>
-                  </a:lnTo>
-                  <a:lnTo>
-                    <a:pt x="731938" y="514425"/>
-                  </a:lnTo>
-                  <a:lnTo>
-                    <a:pt x="650611" y="540147"/>
-                  </a:lnTo>
-                  <a:lnTo>
-                    <a:pt x="569285" y="565868"/>
-                  </a:lnTo>
-                  <a:lnTo>
-                    <a:pt x="487958" y="591589"/>
-                  </a:lnTo>
-                  <a:lnTo>
-                    <a:pt x="406632" y="617310"/>
-                  </a:lnTo>
-                  <a:lnTo>
-                    <a:pt x="325305" y="643032"/>
-                  </a:lnTo>
-                  <a:lnTo>
-                    <a:pt x="243979" y="668753"/>
-                  </a:lnTo>
-                  <a:lnTo>
-                    <a:pt x="162652" y="694474"/>
-                  </a:lnTo>
-                  <a:lnTo>
-                    <a:pt x="81326" y="720196"/>
+                    <a:pt x="84161" y="679228"/>
+                  </a:lnTo>
+                  <a:lnTo>
+                    <a:pt x="168322" y="665355"/>
+                  </a:lnTo>
+                  <a:lnTo>
+                    <a:pt x="252484" y="651483"/>
+                  </a:lnTo>
+                  <a:lnTo>
+                    <a:pt x="336645" y="637610"/>
+                  </a:lnTo>
+                  <a:lnTo>
+                    <a:pt x="420806" y="623738"/>
+                  </a:lnTo>
+                  <a:lnTo>
+                    <a:pt x="504968" y="609865"/>
+                  </a:lnTo>
+                  <a:lnTo>
+                    <a:pt x="589129" y="595993"/>
+                  </a:lnTo>
+                  <a:lnTo>
+                    <a:pt x="673291" y="582121"/>
+                  </a:lnTo>
+                  <a:lnTo>
+                    <a:pt x="757452" y="568248"/>
+                  </a:lnTo>
+                  <a:lnTo>
+                    <a:pt x="841613" y="554376"/>
+                  </a:lnTo>
+                  <a:lnTo>
+                    <a:pt x="925775" y="540503"/>
+                  </a:lnTo>
+                  <a:lnTo>
+                    <a:pt x="1009936" y="526631"/>
+                  </a:lnTo>
+                  <a:lnTo>
+                    <a:pt x="1094097" y="512758"/>
+                  </a:lnTo>
+                  <a:lnTo>
+                    <a:pt x="1178259" y="498886"/>
+                  </a:lnTo>
+                  <a:lnTo>
+                    <a:pt x="1262420" y="485013"/>
+                  </a:lnTo>
+                  <a:lnTo>
+                    <a:pt x="1346582" y="471141"/>
+                  </a:lnTo>
+                  <a:lnTo>
+                    <a:pt x="1430743" y="457268"/>
+                  </a:lnTo>
+                  <a:lnTo>
+                    <a:pt x="1514904" y="443396"/>
+                  </a:lnTo>
+                  <a:lnTo>
+                    <a:pt x="1599066" y="429523"/>
+                  </a:lnTo>
+                  <a:lnTo>
+                    <a:pt x="1683227" y="415651"/>
+                  </a:lnTo>
+                  <a:lnTo>
+                    <a:pt x="1767389" y="401778"/>
+                  </a:lnTo>
+                  <a:lnTo>
+                    <a:pt x="1851550" y="387906"/>
+                  </a:lnTo>
+                  <a:lnTo>
+                    <a:pt x="1935711" y="374033"/>
+                  </a:lnTo>
+                  <a:lnTo>
+                    <a:pt x="2019873" y="360161"/>
+                  </a:lnTo>
+                  <a:lnTo>
+                    <a:pt x="2104034" y="346289"/>
+                  </a:lnTo>
+                  <a:lnTo>
+                    <a:pt x="2188195" y="332416"/>
+                  </a:lnTo>
+                  <a:lnTo>
+                    <a:pt x="2272357" y="318544"/>
+                  </a:lnTo>
+                  <a:lnTo>
+                    <a:pt x="2356518" y="304671"/>
+                  </a:lnTo>
+                  <a:lnTo>
+                    <a:pt x="2440680" y="290799"/>
+                  </a:lnTo>
+                  <a:lnTo>
+                    <a:pt x="2422533" y="193005"/>
+                  </a:lnTo>
+                  <a:lnTo>
+                    <a:pt x="2400470" y="96019"/>
+                  </a:lnTo>
+                  <a:lnTo>
+                    <a:pt x="2374526" y="0"/>
+                  </a:lnTo>
+                  <a:lnTo>
+                    <a:pt x="2292646" y="23900"/>
+                  </a:lnTo>
+                  <a:lnTo>
+                    <a:pt x="2210766" y="47800"/>
+                  </a:lnTo>
+                  <a:lnTo>
+                    <a:pt x="2128886" y="71700"/>
+                  </a:lnTo>
+                  <a:lnTo>
+                    <a:pt x="2047005" y="95600"/>
+                  </a:lnTo>
+                  <a:lnTo>
+                    <a:pt x="1965125" y="119500"/>
+                  </a:lnTo>
+                  <a:lnTo>
+                    <a:pt x="1883245" y="143400"/>
+                  </a:lnTo>
+                  <a:lnTo>
+                    <a:pt x="1801365" y="167300"/>
+                  </a:lnTo>
+                  <a:lnTo>
+                    <a:pt x="1719484" y="191200"/>
+                  </a:lnTo>
+                  <a:lnTo>
+                    <a:pt x="1637604" y="215100"/>
+                  </a:lnTo>
+                  <a:lnTo>
+                    <a:pt x="1555724" y="239000"/>
+                  </a:lnTo>
+                  <a:lnTo>
+                    <a:pt x="1473844" y="262900"/>
+                  </a:lnTo>
+                  <a:lnTo>
+                    <a:pt x="1391963" y="286800"/>
+                  </a:lnTo>
+                  <a:lnTo>
+                    <a:pt x="1310083" y="310700"/>
+                  </a:lnTo>
+                  <a:lnTo>
+                    <a:pt x="1228203" y="334600"/>
+                  </a:lnTo>
+                  <a:lnTo>
+                    <a:pt x="1146323" y="358500"/>
+                  </a:lnTo>
+                  <a:lnTo>
+                    <a:pt x="1064443" y="382400"/>
+                  </a:lnTo>
+                  <a:lnTo>
+                    <a:pt x="982562" y="406300"/>
+                  </a:lnTo>
+                  <a:lnTo>
+                    <a:pt x="900682" y="430200"/>
+                  </a:lnTo>
+                  <a:lnTo>
+                    <a:pt x="818802" y="454100"/>
+                  </a:lnTo>
+                  <a:lnTo>
+                    <a:pt x="736922" y="478000"/>
+                  </a:lnTo>
+                  <a:lnTo>
+                    <a:pt x="655041" y="501900"/>
+                  </a:lnTo>
+                  <a:lnTo>
+                    <a:pt x="573161" y="525800"/>
+                  </a:lnTo>
+                  <a:lnTo>
+                    <a:pt x="491281" y="549700"/>
+                  </a:lnTo>
+                  <a:lnTo>
+                    <a:pt x="409401" y="573600"/>
+                  </a:lnTo>
+                  <a:lnTo>
+                    <a:pt x="327520" y="597500"/>
+                  </a:lnTo>
+                  <a:lnTo>
+                    <a:pt x="245640" y="621400"/>
+                  </a:lnTo>
+                  <a:lnTo>
+                    <a:pt x="163760" y="645300"/>
+                  </a:lnTo>
+                  <a:lnTo>
+                    <a:pt x="81880" y="669200"/>
                   </a:lnTo>
                   <a:close/>
                 </a:path>
               </a:pathLst>
             </a:custGeom>
             <a:solidFill>
-              <a:srgbClr val="53B400">
+              <a:srgbClr val="B79F00">
                 <a:alpha val="100000"/>
               </a:srgbClr>
             </a:solidFill>
@@ -3485,832 +3485,618 @@
           </p:nvSpPr>
           <p:spPr>
             <a:xfrm>
-              <a:off x="5486400" y="3759197"/>
-              <a:ext cx="2467370" cy="463985"/>
+              <a:off x="3013003" y="1749568"/>
+              <a:ext cx="4946966" cy="4947161"/>
             </a:xfrm>
             <a:custGeom>
               <a:avLst/>
               <a:pathLst>
-                <a:path w="2467370" h="463985">
+                <a:path w="4946966" h="4947161">
                   <a:moveTo>
-                    <a:pt x="0" y="463985"/>
+                    <a:pt x="2473396" y="2473613"/>
                   </a:moveTo>
                   <a:lnTo>
-                    <a:pt x="85081" y="457928"/>
-                  </a:lnTo>
-                  <a:lnTo>
-                    <a:pt x="170163" y="451872"/>
-                  </a:lnTo>
-                  <a:lnTo>
-                    <a:pt x="255245" y="445815"/>
-                  </a:lnTo>
-                  <a:lnTo>
-                    <a:pt x="340326" y="439759"/>
-                  </a:lnTo>
-                  <a:lnTo>
-                    <a:pt x="425408" y="433702"/>
-                  </a:lnTo>
-                  <a:lnTo>
-                    <a:pt x="510490" y="427645"/>
-                  </a:lnTo>
-                  <a:lnTo>
-                    <a:pt x="595572" y="421589"/>
-                  </a:lnTo>
-                  <a:lnTo>
-                    <a:pt x="680653" y="415532"/>
-                  </a:lnTo>
-                  <a:lnTo>
-                    <a:pt x="765735" y="409476"/>
-                  </a:lnTo>
-                  <a:lnTo>
-                    <a:pt x="850817" y="403419"/>
-                  </a:lnTo>
-                  <a:lnTo>
-                    <a:pt x="935899" y="397362"/>
-                  </a:lnTo>
-                  <a:lnTo>
-                    <a:pt x="1020980" y="391306"/>
-                  </a:lnTo>
-                  <a:lnTo>
-                    <a:pt x="1106062" y="385249"/>
-                  </a:lnTo>
-                  <a:lnTo>
-                    <a:pt x="1191144" y="379193"/>
-                  </a:lnTo>
-                  <a:lnTo>
-                    <a:pt x="1276226" y="373136"/>
-                  </a:lnTo>
-                  <a:lnTo>
-                    <a:pt x="1361307" y="367079"/>
-                  </a:lnTo>
-                  <a:lnTo>
-                    <a:pt x="1446389" y="361023"/>
-                  </a:lnTo>
-                  <a:lnTo>
-                    <a:pt x="1531471" y="354966"/>
-                  </a:lnTo>
-                  <a:lnTo>
-                    <a:pt x="1616552" y="348910"/>
-                  </a:lnTo>
-                  <a:lnTo>
-                    <a:pt x="1701634" y="342853"/>
-                  </a:lnTo>
-                  <a:lnTo>
-                    <a:pt x="1786716" y="336796"/>
-                  </a:lnTo>
-                  <a:lnTo>
-                    <a:pt x="1871798" y="330740"/>
-                  </a:lnTo>
-                  <a:lnTo>
-                    <a:pt x="1956879" y="324683"/>
-                  </a:lnTo>
-                  <a:lnTo>
-                    <a:pt x="2041961" y="318627"/>
-                  </a:lnTo>
-                  <a:lnTo>
-                    <a:pt x="2127043" y="312570"/>
-                  </a:lnTo>
-                  <a:lnTo>
-                    <a:pt x="2212125" y="306514"/>
-                  </a:lnTo>
-                  <a:lnTo>
-                    <a:pt x="2297206" y="300457"/>
-                  </a:lnTo>
-                  <a:lnTo>
-                    <a:pt x="2382288" y="294400"/>
-                  </a:lnTo>
-                  <a:lnTo>
-                    <a:pt x="2467370" y="288344"/>
-                  </a:lnTo>
-                  <a:lnTo>
-                    <a:pt x="2458589" y="191761"/>
-                  </a:lnTo>
-                  <a:lnTo>
-                    <a:pt x="2446028" y="95597"/>
-                  </a:lnTo>
-                  <a:lnTo>
-                    <a:pt x="2429708" y="0"/>
-                  </a:lnTo>
-                  <a:lnTo>
-                    <a:pt x="2345925" y="15999"/>
-                  </a:lnTo>
-                  <a:lnTo>
-                    <a:pt x="2262142" y="31998"/>
-                  </a:lnTo>
-                  <a:lnTo>
-                    <a:pt x="2178359" y="47998"/>
-                  </a:lnTo>
-                  <a:lnTo>
-                    <a:pt x="2094576" y="63997"/>
-                  </a:lnTo>
-                  <a:lnTo>
-                    <a:pt x="2010793" y="79997"/>
-                  </a:lnTo>
-                  <a:lnTo>
-                    <a:pt x="1927010" y="95996"/>
-                  </a:lnTo>
-                  <a:lnTo>
-                    <a:pt x="1843227" y="111996"/>
-                  </a:lnTo>
-                  <a:lnTo>
-                    <a:pt x="1759444" y="127995"/>
-                  </a:lnTo>
-                  <a:lnTo>
-                    <a:pt x="1675661" y="143995"/>
-                  </a:lnTo>
-                  <a:lnTo>
-                    <a:pt x="1591877" y="159994"/>
-                  </a:lnTo>
-                  <a:lnTo>
-                    <a:pt x="1508094" y="175994"/>
-                  </a:lnTo>
-                  <a:lnTo>
-                    <a:pt x="1424311" y="191993"/>
-                  </a:lnTo>
-                  <a:lnTo>
-                    <a:pt x="1340528" y="207993"/>
-                  </a:lnTo>
-                  <a:lnTo>
-                    <a:pt x="1256745" y="223992"/>
-                  </a:lnTo>
-                  <a:lnTo>
-                    <a:pt x="1172962" y="239992"/>
-                  </a:lnTo>
-                  <a:lnTo>
-                    <a:pt x="1089179" y="255991"/>
-                  </a:lnTo>
-                  <a:lnTo>
-                    <a:pt x="1005396" y="271991"/>
-                  </a:lnTo>
-                  <a:lnTo>
-                    <a:pt x="921613" y="287990"/>
-                  </a:lnTo>
-                  <a:lnTo>
-                    <a:pt x="837830" y="303990"/>
-                  </a:lnTo>
-                  <a:lnTo>
-                    <a:pt x="754047" y="319989"/>
-                  </a:lnTo>
-                  <a:lnTo>
-                    <a:pt x="670264" y="335989"/>
-                  </a:lnTo>
-                  <a:lnTo>
-                    <a:pt x="586481" y="351988"/>
-                  </a:lnTo>
-                  <a:lnTo>
-                    <a:pt x="502698" y="367988"/>
-                  </a:lnTo>
-                  <a:lnTo>
-                    <a:pt x="418915" y="383987"/>
-                  </a:lnTo>
-                  <a:lnTo>
-                    <a:pt x="335132" y="399987"/>
-                  </a:lnTo>
-                  <a:lnTo>
-                    <a:pt x="251349" y="415986"/>
-                  </a:lnTo>
-                  <a:lnTo>
-                    <a:pt x="167566" y="431986"/>
-                  </a:lnTo>
-                  <a:lnTo>
-                    <a:pt x="83783" y="447985"/>
-                  </a:lnTo>
-                  <a:close/>
-                </a:path>
-              </a:pathLst>
-            </a:custGeom>
-            <a:solidFill>
-              <a:srgbClr val="C49A00">
-                <a:alpha val="100000"/>
-              </a:srgbClr>
-            </a:solidFill>
-            <a:ln w="13550" cap="flat">
-              <a:solidFill>
-                <a:srgbClr val="000000">
-                  <a:alpha val="100000"/>
-                </a:srgbClr>
-              </a:solidFill>
-              <a:prstDash val="solid"/>
-              <a:miter/>
-            </a:ln>
-          </p:spPr>
-          <p:txBody>
-            <a:bodyPr/>
-            <a:lstStyle/>
-            <a:p/>
-          </p:txBody>
-        </p:sp>
-        <p:sp>
-          <p:nvSpPr>
-            <p:cNvPr id="11" name="pg10"/>
-            <p:cNvSpPr/>
-            <p:nvPr/>
-          </p:nvSpPr>
-          <p:spPr>
-            <a:xfrm>
-              <a:off x="3012915" y="1749568"/>
-              <a:ext cx="4947085" cy="4947004"/>
-            </a:xfrm>
-            <a:custGeom>
-              <a:avLst/>
-              <a:pathLst>
-                <a:path w="4947085" h="4947004">
-                  <a:moveTo>
-                    <a:pt x="2473484" y="2473613"/>
-                  </a:moveTo>
-                  <a:lnTo>
-                    <a:pt x="2473484" y="2388316"/>
-                  </a:lnTo>
-                  <a:lnTo>
-                    <a:pt x="2473484" y="2303019"/>
-                  </a:lnTo>
-                  <a:lnTo>
-                    <a:pt x="2473484" y="2217722"/>
-                  </a:lnTo>
-                  <a:lnTo>
-                    <a:pt x="2473484" y="2132425"/>
-                  </a:lnTo>
-                  <a:lnTo>
-                    <a:pt x="2473484" y="2047128"/>
-                  </a:lnTo>
-                  <a:lnTo>
-                    <a:pt x="2473484" y="1961831"/>
-                  </a:lnTo>
-                  <a:lnTo>
-                    <a:pt x="2473484" y="1876534"/>
-                  </a:lnTo>
-                  <a:lnTo>
-                    <a:pt x="2473484" y="1791237"/>
-                  </a:lnTo>
-                  <a:lnTo>
-                    <a:pt x="2473484" y="1705940"/>
-                  </a:lnTo>
-                  <a:lnTo>
-                    <a:pt x="2473484" y="1620643"/>
-                  </a:lnTo>
-                  <a:lnTo>
-                    <a:pt x="2473484" y="1535346"/>
-                  </a:lnTo>
-                  <a:lnTo>
-                    <a:pt x="2473484" y="1450049"/>
-                  </a:lnTo>
-                  <a:lnTo>
-                    <a:pt x="2473484" y="1364752"/>
-                  </a:lnTo>
-                  <a:lnTo>
-                    <a:pt x="2473484" y="1279455"/>
-                  </a:lnTo>
-                  <a:lnTo>
-                    <a:pt x="2473484" y="1194158"/>
-                  </a:lnTo>
-                  <a:lnTo>
-                    <a:pt x="2473484" y="1108861"/>
-                  </a:lnTo>
-                  <a:lnTo>
-                    <a:pt x="2473484" y="1023564"/>
-                  </a:lnTo>
-                  <a:lnTo>
-                    <a:pt x="2473484" y="938267"/>
-                  </a:lnTo>
-                  <a:lnTo>
-                    <a:pt x="2473484" y="852970"/>
-                  </a:lnTo>
-                  <a:lnTo>
-                    <a:pt x="2473484" y="767673"/>
-                  </a:lnTo>
-                  <a:lnTo>
-                    <a:pt x="2473484" y="682376"/>
-                  </a:lnTo>
-                  <a:lnTo>
-                    <a:pt x="2473484" y="597079"/>
-                  </a:lnTo>
-                  <a:lnTo>
-                    <a:pt x="2473484" y="511782"/>
-                  </a:lnTo>
-                  <a:lnTo>
-                    <a:pt x="2473484" y="426485"/>
-                  </a:lnTo>
-                  <a:lnTo>
-                    <a:pt x="2473484" y="341188"/>
-                  </a:lnTo>
-                  <a:lnTo>
-                    <a:pt x="2473484" y="255891"/>
-                  </a:lnTo>
-                  <a:lnTo>
-                    <a:pt x="2473484" y="170594"/>
-                  </a:lnTo>
-                  <a:lnTo>
-                    <a:pt x="2473484" y="85297"/>
-                  </a:lnTo>
-                  <a:lnTo>
-                    <a:pt x="2473484" y="0"/>
-                  </a:lnTo>
-                  <a:lnTo>
-                    <a:pt x="2389582" y="1423"/>
-                  </a:lnTo>
-                  <a:lnTo>
-                    <a:pt x="2305777" y="5691"/>
-                  </a:lnTo>
-                  <a:lnTo>
-                    <a:pt x="2222165" y="12800"/>
-                  </a:lnTo>
-                  <a:lnTo>
-                    <a:pt x="2138842" y="22740"/>
-                  </a:lnTo>
-                  <a:lnTo>
-                    <a:pt x="2055904" y="35501"/>
-                  </a:lnTo>
-                  <a:lnTo>
-                    <a:pt x="1973446" y="51068"/>
-                  </a:lnTo>
-                  <a:lnTo>
-                    <a:pt x="1891564" y="69422"/>
-                  </a:lnTo>
-                  <a:lnTo>
-                    <a:pt x="1810352" y="90543"/>
-                  </a:lnTo>
-                  <a:lnTo>
-                    <a:pt x="1729903" y="114407"/>
-                  </a:lnTo>
-                  <a:lnTo>
-                    <a:pt x="1650310" y="140986"/>
-                  </a:lnTo>
-                  <a:lnTo>
-                    <a:pt x="1571664" y="170249"/>
-                  </a:lnTo>
-                  <a:lnTo>
-                    <a:pt x="1494056" y="202163"/>
-                  </a:lnTo>
-                  <a:lnTo>
-                    <a:pt x="1417575" y="236691"/>
-                  </a:lnTo>
-                  <a:lnTo>
-                    <a:pt x="1342309" y="273793"/>
-                  </a:lnTo>
-                  <a:lnTo>
-                    <a:pt x="1268344" y="313427"/>
-                  </a:lnTo>
-                  <a:lnTo>
-                    <a:pt x="1195767" y="355547"/>
-                  </a:lnTo>
-                  <a:lnTo>
-                    <a:pt x="1124660" y="400104"/>
-                  </a:lnTo>
-                  <a:lnTo>
-                    <a:pt x="1055106" y="447048"/>
-                  </a:lnTo>
-                  <a:lnTo>
-                    <a:pt x="987183" y="496323"/>
-                  </a:lnTo>
-                  <a:lnTo>
-                    <a:pt x="920971" y="547874"/>
-                  </a:lnTo>
-                  <a:lnTo>
-                    <a:pt x="856546" y="601642"/>
-                  </a:lnTo>
-                  <a:lnTo>
-                    <a:pt x="793982" y="657563"/>
-                  </a:lnTo>
-                  <a:lnTo>
-                    <a:pt x="733350" y="715575"/>
-                  </a:lnTo>
-                  <a:lnTo>
-                    <a:pt x="674721" y="775609"/>
-                  </a:lnTo>
-                  <a:lnTo>
-                    <a:pt x="618162" y="837598"/>
-                  </a:lnTo>
-                  <a:lnTo>
-                    <a:pt x="563738" y="901470"/>
-                  </a:lnTo>
-                  <a:lnTo>
-                    <a:pt x="511512" y="967150"/>
-                  </a:lnTo>
-                  <a:lnTo>
-                    <a:pt x="461543" y="1034565"/>
-                  </a:lnTo>
-                  <a:lnTo>
-                    <a:pt x="413890" y="1103635"/>
-                  </a:lnTo>
-                  <a:lnTo>
-                    <a:pt x="368608" y="1174282"/>
-                  </a:lnTo>
-                  <a:lnTo>
-                    <a:pt x="325747" y="1246424"/>
-                  </a:lnTo>
-                  <a:lnTo>
-                    <a:pt x="285358" y="1319979"/>
-                  </a:lnTo>
-                  <a:lnTo>
-                    <a:pt x="247488" y="1394861"/>
-                  </a:lnTo>
-                  <a:lnTo>
-                    <a:pt x="212178" y="1470985"/>
-                  </a:lnTo>
-                  <a:lnTo>
-                    <a:pt x="179472" y="1548262"/>
-                  </a:lnTo>
-                  <a:lnTo>
-                    <a:pt x="149405" y="1626605"/>
-                  </a:lnTo>
-                  <a:lnTo>
-                    <a:pt x="122013" y="1705922"/>
-                  </a:lnTo>
-                  <a:lnTo>
-                    <a:pt x="97327" y="1786122"/>
-                  </a:lnTo>
-                  <a:lnTo>
-                    <a:pt x="75375" y="1867114"/>
-                  </a:lnTo>
-                  <a:lnTo>
-                    <a:pt x="56184" y="1948804"/>
-                  </a:lnTo>
-                  <a:lnTo>
-                    <a:pt x="39774" y="2031098"/>
-                  </a:lnTo>
-                  <a:lnTo>
-                    <a:pt x="26164" y="2113900"/>
-                  </a:lnTo>
-                  <a:lnTo>
-                    <a:pt x="15372" y="2197117"/>
-                  </a:lnTo>
-                  <a:lnTo>
-                    <a:pt x="7408" y="2280652"/>
-                  </a:lnTo>
-                  <a:lnTo>
-                    <a:pt x="2282" y="2364410"/>
-                  </a:lnTo>
-                  <a:lnTo>
-                    <a:pt x="0" y="2448292"/>
-                  </a:lnTo>
-                  <a:lnTo>
-                    <a:pt x="564" y="2532204"/>
-                  </a:lnTo>
-                  <a:lnTo>
-                    <a:pt x="3974" y="2616049"/>
-                  </a:lnTo>
-                  <a:lnTo>
-                    <a:pt x="10226" y="2699729"/>
-                  </a:lnTo>
-                  <a:lnTo>
-                    <a:pt x="19313" y="2783150"/>
-                  </a:lnTo>
-                  <a:lnTo>
-                    <a:pt x="31224" y="2866214"/>
-                  </a:lnTo>
-                  <a:lnTo>
-                    <a:pt x="45946" y="2948826"/>
-                  </a:lnTo>
-                  <a:lnTo>
-                    <a:pt x="63462" y="3030892"/>
-                  </a:lnTo>
-                  <a:lnTo>
-                    <a:pt x="83751" y="3112316"/>
-                  </a:lnTo>
-                  <a:lnTo>
-                    <a:pt x="106790" y="3193005"/>
-                  </a:lnTo>
-                  <a:lnTo>
-                    <a:pt x="132552" y="3272866"/>
-                  </a:lnTo>
-                  <a:lnTo>
-                    <a:pt x="161009" y="3351808"/>
-                  </a:lnTo>
-                  <a:lnTo>
-                    <a:pt x="192127" y="3429739"/>
-                  </a:lnTo>
-                  <a:lnTo>
-                    <a:pt x="225870" y="3506569"/>
-                  </a:lnTo>
-                  <a:lnTo>
-                    <a:pt x="262200" y="3582211"/>
-                  </a:lnTo>
-                  <a:lnTo>
-                    <a:pt x="301074" y="3656577"/>
-                  </a:lnTo>
-                  <a:lnTo>
-                    <a:pt x="342449" y="3729582"/>
-                  </a:lnTo>
-                  <a:lnTo>
-                    <a:pt x="386276" y="3801141"/>
-                  </a:lnTo>
-                  <a:lnTo>
-                    <a:pt x="432505" y="3871172"/>
-                  </a:lnTo>
-                  <a:lnTo>
-                    <a:pt x="481083" y="3939596"/>
-                  </a:lnTo>
-                  <a:lnTo>
-                    <a:pt x="531953" y="4006332"/>
-                  </a:lnTo>
-                  <a:lnTo>
-                    <a:pt x="585058" y="4071304"/>
-                  </a:lnTo>
-                  <a:lnTo>
-                    <a:pt x="640337" y="4134438"/>
-                  </a:lnTo>
-                  <a:lnTo>
-                    <a:pt x="697724" y="4195660"/>
-                  </a:lnTo>
-                  <a:lnTo>
-                    <a:pt x="757156" y="4254901"/>
-                  </a:lnTo>
-                  <a:lnTo>
-                    <a:pt x="818562" y="4312091"/>
-                  </a:lnTo>
-                  <a:lnTo>
-                    <a:pt x="881873" y="4367166"/>
-                  </a:lnTo>
-                  <a:lnTo>
-                    <a:pt x="947016" y="4420062"/>
-                  </a:lnTo>
-                  <a:lnTo>
-                    <a:pt x="1013915" y="4470718"/>
-                  </a:lnTo>
-                  <a:lnTo>
-                    <a:pt x="1082494" y="4519075"/>
-                  </a:lnTo>
-                  <a:lnTo>
-                    <a:pt x="1152674" y="4565079"/>
-                  </a:lnTo>
-                  <a:lnTo>
-                    <a:pt x="1224374" y="4608676"/>
-                  </a:lnTo>
-                  <a:lnTo>
-                    <a:pt x="1297511" y="4649815"/>
-                  </a:lnTo>
-                  <a:lnTo>
-                    <a:pt x="1372002" y="4688450"/>
-                  </a:lnTo>
-                  <a:lnTo>
-                    <a:pt x="1447760" y="4724537"/>
-                  </a:lnTo>
-                  <a:lnTo>
-                    <a:pt x="1524699" y="4758033"/>
-                  </a:lnTo>
-                  <a:lnTo>
-                    <a:pt x="1602729" y="4788900"/>
-                  </a:lnTo>
-                  <a:lnTo>
-                    <a:pt x="1681762" y="4817103"/>
-                  </a:lnTo>
-                  <a:lnTo>
-                    <a:pt x="1761705" y="4842608"/>
-                  </a:lnTo>
-                  <a:lnTo>
-                    <a:pt x="1842468" y="4865388"/>
-                  </a:lnTo>
-                  <a:lnTo>
-                    <a:pt x="1923957" y="4885415"/>
-                  </a:lnTo>
-                  <a:lnTo>
-                    <a:pt x="2006078" y="4902666"/>
-                  </a:lnTo>
-                  <a:lnTo>
-                    <a:pt x="2088738" y="4917122"/>
-                  </a:lnTo>
-                  <a:lnTo>
-                    <a:pt x="2171840" y="4928767"/>
-                  </a:lnTo>
-                  <a:lnTo>
-                    <a:pt x="2255289" y="4937585"/>
-                  </a:lnTo>
-                  <a:lnTo>
-                    <a:pt x="2338989" y="4943568"/>
-                  </a:lnTo>
-                  <a:lnTo>
-                    <a:pt x="2422844" y="4946709"/>
-                  </a:lnTo>
-                  <a:lnTo>
-                    <a:pt x="2506758" y="4947004"/>
-                  </a:lnTo>
-                  <a:lnTo>
-                    <a:pt x="2590633" y="4944452"/>
-                  </a:lnTo>
-                  <a:lnTo>
-                    <a:pt x="2674373" y="4939056"/>
-                  </a:lnTo>
-                  <a:lnTo>
-                    <a:pt x="2757882" y="4930824"/>
-                  </a:lnTo>
-                  <a:lnTo>
-                    <a:pt x="2841064" y="4919764"/>
-                  </a:lnTo>
-                  <a:lnTo>
-                    <a:pt x="2923822" y="4905888"/>
-                  </a:lnTo>
-                  <a:lnTo>
-                    <a:pt x="3006063" y="4889214"/>
-                  </a:lnTo>
-                  <a:lnTo>
-                    <a:pt x="3087690" y="4869760"/>
-                  </a:lnTo>
-                  <a:lnTo>
-                    <a:pt x="3168611" y="4847548"/>
-                  </a:lnTo>
-                  <a:lnTo>
-                    <a:pt x="3248732" y="4822604"/>
-                  </a:lnTo>
-                  <a:lnTo>
-                    <a:pt x="3327961" y="4794957"/>
-                  </a:lnTo>
-                  <a:lnTo>
-                    <a:pt x="3406206" y="4764638"/>
-                  </a:lnTo>
-                  <a:lnTo>
-                    <a:pt x="3483378" y="4731683"/>
-                  </a:lnTo>
-                  <a:lnTo>
-                    <a:pt x="3559388" y="4696130"/>
-                  </a:lnTo>
-                  <a:lnTo>
-                    <a:pt x="3634148" y="4658018"/>
-                  </a:lnTo>
-                  <a:lnTo>
-                    <a:pt x="3707572" y="4617393"/>
-                  </a:lnTo>
-                  <a:lnTo>
-                    <a:pt x="3779576" y="4574301"/>
-                  </a:lnTo>
-                  <a:lnTo>
-                    <a:pt x="3850077" y="4528791"/>
-                  </a:lnTo>
-                  <a:lnTo>
-                    <a:pt x="3918994" y="4480917"/>
-                  </a:lnTo>
-                  <a:lnTo>
-                    <a:pt x="3986247" y="4430732"/>
-                  </a:lnTo>
-                  <a:lnTo>
-                    <a:pt x="4051760" y="4378295"/>
-                  </a:lnTo>
-                  <a:lnTo>
-                    <a:pt x="4115456" y="4323666"/>
-                  </a:lnTo>
-                  <a:lnTo>
-                    <a:pt x="4177263" y="4266908"/>
-                  </a:lnTo>
-                  <a:lnTo>
-                    <a:pt x="4237108" y="4208086"/>
-                  </a:lnTo>
-                  <a:lnTo>
-                    <a:pt x="4294925" y="4147268"/>
-                  </a:lnTo>
-                  <a:lnTo>
-                    <a:pt x="4350645" y="4084524"/>
-                  </a:lnTo>
-                  <a:lnTo>
-                    <a:pt x="4404205" y="4019926"/>
-                  </a:lnTo>
-                  <a:lnTo>
-                    <a:pt x="4455543" y="3953549"/>
-                  </a:lnTo>
-                  <a:lnTo>
-                    <a:pt x="4504600" y="3885468"/>
-                  </a:lnTo>
-                  <a:lnTo>
-                    <a:pt x="4551319" y="3815763"/>
-                  </a:lnTo>
-                  <a:lnTo>
-                    <a:pt x="4595648" y="3744513"/>
-                  </a:lnTo>
-                  <a:lnTo>
-                    <a:pt x="4637534" y="3671801"/>
-                  </a:lnTo>
-                  <a:lnTo>
-                    <a:pt x="4676930" y="3597710"/>
-                  </a:lnTo>
-                  <a:lnTo>
-                    <a:pt x="4713790" y="3522325"/>
-                  </a:lnTo>
-                  <a:lnTo>
-                    <a:pt x="4748071" y="3445733"/>
-                  </a:lnTo>
-                  <a:lnTo>
-                    <a:pt x="4779736" y="3368023"/>
-                  </a:lnTo>
-                  <a:lnTo>
-                    <a:pt x="4808746" y="3289283"/>
-                  </a:lnTo>
-                  <a:lnTo>
-                    <a:pt x="4835069" y="3209605"/>
-                  </a:lnTo>
-                  <a:lnTo>
-                    <a:pt x="4858674" y="3129079"/>
-                  </a:lnTo>
-                  <a:lnTo>
-                    <a:pt x="4879534" y="3047800"/>
-                  </a:lnTo>
-                  <a:lnTo>
-                    <a:pt x="4897625" y="2965859"/>
-                  </a:lnTo>
-                  <a:lnTo>
-                    <a:pt x="4912926" y="2883352"/>
-                  </a:lnTo>
-                  <a:lnTo>
-                    <a:pt x="4925421" y="2800374"/>
-                  </a:lnTo>
-                  <a:lnTo>
-                    <a:pt x="4935093" y="2717019"/>
-                  </a:lnTo>
-                  <a:lnTo>
-                    <a:pt x="4941933" y="2633385"/>
-                  </a:lnTo>
-                  <a:lnTo>
-                    <a:pt x="4945931" y="2549566"/>
-                  </a:lnTo>
-                  <a:lnTo>
-                    <a:pt x="4947085" y="2465660"/>
-                  </a:lnTo>
-                  <a:lnTo>
-                    <a:pt x="4945392" y="2381763"/>
-                  </a:lnTo>
-                  <a:lnTo>
-                    <a:pt x="4940854" y="2297972"/>
-                  </a:lnTo>
-                  <a:lnTo>
-                    <a:pt x="4855772" y="2304029"/>
-                  </a:lnTo>
-                  <a:lnTo>
-                    <a:pt x="4770691" y="2310086"/>
-                  </a:lnTo>
-                  <a:lnTo>
-                    <a:pt x="4685609" y="2316142"/>
-                  </a:lnTo>
-                  <a:lnTo>
-                    <a:pt x="4600527" y="2322199"/>
-                  </a:lnTo>
-                  <a:lnTo>
-                    <a:pt x="4515445" y="2328255"/>
-                  </a:lnTo>
-                  <a:lnTo>
-                    <a:pt x="4430364" y="2334312"/>
-                  </a:lnTo>
-                  <a:lnTo>
-                    <a:pt x="4345282" y="2340368"/>
-                  </a:lnTo>
-                  <a:lnTo>
-                    <a:pt x="4260200" y="2346425"/>
-                  </a:lnTo>
-                  <a:lnTo>
-                    <a:pt x="4175119" y="2352482"/>
-                  </a:lnTo>
-                  <a:lnTo>
-                    <a:pt x="4090037" y="2358538"/>
-                  </a:lnTo>
-                  <a:lnTo>
-                    <a:pt x="4004955" y="2364595"/>
-                  </a:lnTo>
-                  <a:lnTo>
-                    <a:pt x="3919873" y="2370651"/>
-                  </a:lnTo>
-                  <a:lnTo>
-                    <a:pt x="3834792" y="2376708"/>
-                  </a:lnTo>
-                  <a:lnTo>
-                    <a:pt x="3749710" y="2382765"/>
-                  </a:lnTo>
-                  <a:lnTo>
-                    <a:pt x="3664628" y="2388821"/>
-                  </a:lnTo>
-                  <a:lnTo>
-                    <a:pt x="3579546" y="2394878"/>
-                  </a:lnTo>
-                  <a:lnTo>
-                    <a:pt x="3494465" y="2400934"/>
-                  </a:lnTo>
-                  <a:lnTo>
-                    <a:pt x="3409383" y="2406991"/>
-                  </a:lnTo>
-                  <a:lnTo>
-                    <a:pt x="3324301" y="2413048"/>
-                  </a:lnTo>
-                  <a:lnTo>
-                    <a:pt x="3239219" y="2419104"/>
-                  </a:lnTo>
-                  <a:lnTo>
-                    <a:pt x="3154138" y="2425161"/>
-                  </a:lnTo>
-                  <a:lnTo>
-                    <a:pt x="3069056" y="2431217"/>
-                  </a:lnTo>
-                  <a:lnTo>
-                    <a:pt x="2983974" y="2437274"/>
-                  </a:lnTo>
-                  <a:lnTo>
-                    <a:pt x="2898892" y="2443330"/>
-                  </a:lnTo>
-                  <a:lnTo>
-                    <a:pt x="2813811" y="2449387"/>
-                  </a:lnTo>
-                  <a:lnTo>
-                    <a:pt x="2728729" y="2455444"/>
-                  </a:lnTo>
-                  <a:lnTo>
-                    <a:pt x="2643647" y="2461500"/>
-                  </a:lnTo>
-                  <a:lnTo>
-                    <a:pt x="2558566" y="2467557"/>
+                    <a:pt x="2473396" y="2388316"/>
+                  </a:lnTo>
+                  <a:lnTo>
+                    <a:pt x="2473396" y="2303019"/>
+                  </a:lnTo>
+                  <a:lnTo>
+                    <a:pt x="2473396" y="2217722"/>
+                  </a:lnTo>
+                  <a:lnTo>
+                    <a:pt x="2473396" y="2132425"/>
+                  </a:lnTo>
+                  <a:lnTo>
+                    <a:pt x="2473396" y="2047128"/>
+                  </a:lnTo>
+                  <a:lnTo>
+                    <a:pt x="2473396" y="1961831"/>
+                  </a:lnTo>
+                  <a:lnTo>
+                    <a:pt x="2473396" y="1876534"/>
+                  </a:lnTo>
+                  <a:lnTo>
+                    <a:pt x="2473396" y="1791237"/>
+                  </a:lnTo>
+                  <a:lnTo>
+                    <a:pt x="2473396" y="1705940"/>
+                  </a:lnTo>
+                  <a:lnTo>
+                    <a:pt x="2473396" y="1620643"/>
+                  </a:lnTo>
+                  <a:lnTo>
+                    <a:pt x="2473396" y="1535346"/>
+                  </a:lnTo>
+                  <a:lnTo>
+                    <a:pt x="2473396" y="1450049"/>
+                  </a:lnTo>
+                  <a:lnTo>
+                    <a:pt x="2473396" y="1364752"/>
+                  </a:lnTo>
+                  <a:lnTo>
+                    <a:pt x="2473396" y="1279455"/>
+                  </a:lnTo>
+                  <a:lnTo>
+                    <a:pt x="2473396" y="1194158"/>
+                  </a:lnTo>
+                  <a:lnTo>
+                    <a:pt x="2473396" y="1108861"/>
+                  </a:lnTo>
+                  <a:lnTo>
+                    <a:pt x="2473396" y="1023564"/>
+                  </a:lnTo>
+                  <a:lnTo>
+                    <a:pt x="2473396" y="938267"/>
+                  </a:lnTo>
+                  <a:lnTo>
+                    <a:pt x="2473396" y="852970"/>
+                  </a:lnTo>
+                  <a:lnTo>
+                    <a:pt x="2473396" y="767673"/>
+                  </a:lnTo>
+                  <a:lnTo>
+                    <a:pt x="2473396" y="682376"/>
+                  </a:lnTo>
+                  <a:lnTo>
+                    <a:pt x="2473396" y="597079"/>
+                  </a:lnTo>
+                  <a:lnTo>
+                    <a:pt x="2473396" y="511782"/>
+                  </a:lnTo>
+                  <a:lnTo>
+                    <a:pt x="2473396" y="426485"/>
+                  </a:lnTo>
+                  <a:lnTo>
+                    <a:pt x="2473396" y="341188"/>
+                  </a:lnTo>
+                  <a:lnTo>
+                    <a:pt x="2473396" y="255891"/>
+                  </a:lnTo>
+                  <a:lnTo>
+                    <a:pt x="2473396" y="170594"/>
+                  </a:lnTo>
+                  <a:lnTo>
+                    <a:pt x="2473396" y="85297"/>
+                  </a:lnTo>
+                  <a:lnTo>
+                    <a:pt x="2473396" y="0"/>
+                  </a:lnTo>
+                  <a:lnTo>
+                    <a:pt x="2389657" y="1417"/>
+                  </a:lnTo>
+                  <a:lnTo>
+                    <a:pt x="2306014" y="5669"/>
+                  </a:lnTo>
+                  <a:lnTo>
+                    <a:pt x="2222563" y="12750"/>
+                  </a:lnTo>
+                  <a:lnTo>
+                    <a:pt x="2139399" y="22652"/>
+                  </a:lnTo>
+                  <a:lnTo>
+                    <a:pt x="2056618" y="35364"/>
+                  </a:lnTo>
+                  <a:lnTo>
+                    <a:pt x="1974315" y="50870"/>
+                  </a:lnTo>
+                  <a:lnTo>
+                    <a:pt x="1892584" y="69154"/>
+                  </a:lnTo>
+                  <a:lnTo>
+                    <a:pt x="1811519" y="90195"/>
+                  </a:lnTo>
+                  <a:lnTo>
+                    <a:pt x="1731213" y="113967"/>
+                  </a:lnTo>
+                  <a:lnTo>
+                    <a:pt x="1651757" y="140445"/>
+                  </a:lnTo>
+                  <a:lnTo>
+                    <a:pt x="1573244" y="169597"/>
+                  </a:lnTo>
+                  <a:lnTo>
+                    <a:pt x="1495762" y="201390"/>
+                  </a:lnTo>
+                  <a:lnTo>
+                    <a:pt x="1419401" y="235788"/>
+                  </a:lnTo>
+                  <a:lnTo>
+                    <a:pt x="1344248" y="272752"/>
+                  </a:lnTo>
+                  <a:lnTo>
+                    <a:pt x="1270390" y="312238"/>
+                  </a:lnTo>
+                  <a:lnTo>
+                    <a:pt x="1197911" y="354202"/>
+                  </a:lnTo>
+                  <a:lnTo>
+                    <a:pt x="1126893" y="398596"/>
+                  </a:lnTo>
+                  <a:lnTo>
+                    <a:pt x="1057420" y="445368"/>
+                  </a:lnTo>
+                  <a:lnTo>
+                    <a:pt x="989569" y="494466"/>
+                  </a:lnTo>
+                  <a:lnTo>
+                    <a:pt x="923420" y="545832"/>
+                  </a:lnTo>
+                  <a:lnTo>
+                    <a:pt x="859047" y="599408"/>
+                  </a:lnTo>
+                  <a:lnTo>
+                    <a:pt x="796525" y="655133"/>
+                  </a:lnTo>
+                  <a:lnTo>
+                    <a:pt x="735926" y="712942"/>
+                  </a:lnTo>
+                  <a:lnTo>
+                    <a:pt x="677318" y="772770"/>
+                  </a:lnTo>
+                  <a:lnTo>
+                    <a:pt x="620769" y="834547"/>
+                  </a:lnTo>
+                  <a:lnTo>
+                    <a:pt x="566343" y="898204"/>
+                  </a:lnTo>
+                  <a:lnTo>
+                    <a:pt x="514104" y="963666"/>
+                  </a:lnTo>
+                  <a:lnTo>
+                    <a:pt x="464111" y="1030859"/>
+                  </a:lnTo>
+                  <a:lnTo>
+                    <a:pt x="416421" y="1099706"/>
+                  </a:lnTo>
+                  <a:lnTo>
+                    <a:pt x="371089" y="1170128"/>
+                  </a:lnTo>
+                  <a:lnTo>
+                    <a:pt x="328168" y="1242045"/>
+                  </a:lnTo>
+                  <a:lnTo>
+                    <a:pt x="287705" y="1315373"/>
+                  </a:lnTo>
+                  <a:lnTo>
+                    <a:pt x="249748" y="1390029"/>
+                  </a:lnTo>
+                  <a:lnTo>
+                    <a:pt x="214340" y="1465927"/>
+                  </a:lnTo>
+                  <a:lnTo>
+                    <a:pt x="181522" y="1542980"/>
+                  </a:lnTo>
+                  <a:lnTo>
+                    <a:pt x="151331" y="1621100"/>
+                  </a:lnTo>
+                  <a:lnTo>
+                    <a:pt x="123802" y="1700197"/>
+                  </a:lnTo>
+                  <a:lnTo>
+                    <a:pt x="98966" y="1780181"/>
+                  </a:lnTo>
+                  <a:lnTo>
+                    <a:pt x="76852" y="1860960"/>
+                  </a:lnTo>
+                  <a:lnTo>
+                    <a:pt x="57486" y="1942441"/>
+                  </a:lnTo>
+                  <a:lnTo>
+                    <a:pt x="40889" y="2024531"/>
+                  </a:lnTo>
+                  <a:lnTo>
+                    <a:pt x="27080" y="2107136"/>
+                  </a:lnTo>
+                  <a:lnTo>
+                    <a:pt x="16076" y="2190161"/>
+                  </a:lnTo>
+                  <a:lnTo>
+                    <a:pt x="7889" y="2273511"/>
+                  </a:lnTo>
+                  <a:lnTo>
+                    <a:pt x="2528" y="2357090"/>
+                  </a:lnTo>
+                  <a:lnTo>
+                    <a:pt x="0" y="2440803"/>
+                  </a:lnTo>
+                  <a:lnTo>
+                    <a:pt x="306" y="2524554"/>
+                  </a:lnTo>
+                  <a:lnTo>
+                    <a:pt x="3448" y="2608246"/>
+                  </a:lnTo>
+                  <a:lnTo>
+                    <a:pt x="9422" y="2691783"/>
+                  </a:lnTo>
+                  <a:lnTo>
+                    <a:pt x="18220" y="2775071"/>
+                  </a:lnTo>
+                  <a:lnTo>
+                    <a:pt x="29832" y="2858013"/>
+                  </a:lnTo>
+                  <a:lnTo>
+                    <a:pt x="44246" y="2940515"/>
+                  </a:lnTo>
+                  <a:lnTo>
+                    <a:pt x="61444" y="3022481"/>
+                  </a:lnTo>
+                  <a:lnTo>
+                    <a:pt x="81407" y="3103818"/>
+                  </a:lnTo>
+                  <a:lnTo>
+                    <a:pt x="104113" y="3184432"/>
+                  </a:lnTo>
+                  <a:lnTo>
+                    <a:pt x="129534" y="3264232"/>
+                  </a:lnTo>
+                  <a:lnTo>
+                    <a:pt x="157642" y="3343126"/>
+                  </a:lnTo>
+                  <a:lnTo>
+                    <a:pt x="188405" y="3421022"/>
+                  </a:lnTo>
+                  <a:lnTo>
+                    <a:pt x="221787" y="3497833"/>
+                  </a:lnTo>
+                  <a:lnTo>
+                    <a:pt x="257751" y="3573469"/>
+                  </a:lnTo>
+                  <a:lnTo>
+                    <a:pt x="296254" y="3647845"/>
+                  </a:lnTo>
+                  <a:lnTo>
+                    <a:pt x="337253" y="3720874"/>
+                  </a:lnTo>
+                  <a:lnTo>
+                    <a:pt x="380701" y="3792474"/>
+                  </a:lnTo>
+                  <a:lnTo>
+                    <a:pt x="426548" y="3862562"/>
+                  </a:lnTo>
+                  <a:lnTo>
+                    <a:pt x="474741" y="3931058"/>
+                  </a:lnTo>
+                  <a:lnTo>
+                    <a:pt x="525225" y="3997883"/>
+                  </a:lnTo>
+                  <a:lnTo>
+                    <a:pt x="577943" y="4062960"/>
+                  </a:lnTo>
+                  <a:lnTo>
+                    <a:pt x="632833" y="4126216"/>
+                  </a:lnTo>
+                  <a:lnTo>
+                    <a:pt x="689834" y="4187577"/>
+                  </a:lnTo>
+                  <a:lnTo>
+                    <a:pt x="748879" y="4246973"/>
+                  </a:lnTo>
+                  <a:lnTo>
+                    <a:pt x="809900" y="4304337"/>
+                  </a:lnTo>
+                  <a:lnTo>
+                    <a:pt x="872829" y="4359602"/>
+                  </a:lnTo>
+                  <a:lnTo>
+                    <a:pt x="937593" y="4412705"/>
+                  </a:lnTo>
+                  <a:lnTo>
+                    <a:pt x="1004117" y="4463585"/>
+                  </a:lnTo>
+                  <a:lnTo>
+                    <a:pt x="1072325" y="4512183"/>
+                  </a:lnTo>
+                  <a:lnTo>
+                    <a:pt x="1142140" y="4558445"/>
+                  </a:lnTo>
+                  <a:lnTo>
+                    <a:pt x="1213481" y="4602317"/>
+                  </a:lnTo>
+                  <a:lnTo>
+                    <a:pt x="1286266" y="4643749"/>
+                  </a:lnTo>
+                  <a:lnTo>
+                    <a:pt x="1360412" y="4682693"/>
+                  </a:lnTo>
+                  <a:lnTo>
+                    <a:pt x="1435833" y="4719104"/>
+                  </a:lnTo>
+                  <a:lnTo>
+                    <a:pt x="1512444" y="4752942"/>
+                  </a:lnTo>
+                  <a:lnTo>
+                    <a:pt x="1590157" y="4784166"/>
+                  </a:lnTo>
+                  <a:lnTo>
+                    <a:pt x="1668882" y="4812742"/>
+                  </a:lnTo>
+                  <a:lnTo>
+                    <a:pt x="1748530" y="4838637"/>
+                  </a:lnTo>
+                  <a:lnTo>
+                    <a:pt x="1829008" y="4861820"/>
+                  </a:lnTo>
+                  <a:lnTo>
+                    <a:pt x="1910225" y="4882266"/>
+                  </a:lnTo>
+                  <a:lnTo>
+                    <a:pt x="1992088" y="4899950"/>
+                  </a:lnTo>
+                  <a:lnTo>
+                    <a:pt x="2074502" y="4914853"/>
+                  </a:lnTo>
+                  <a:lnTo>
+                    <a:pt x="2157374" y="4926957"/>
+                  </a:lnTo>
+                  <a:lnTo>
+                    <a:pt x="2240608" y="4936249"/>
+                  </a:lnTo>
+                  <a:lnTo>
+                    <a:pt x="2324109" y="4942718"/>
+                  </a:lnTo>
+                  <a:lnTo>
+                    <a:pt x="2407781" y="4946357"/>
+                  </a:lnTo>
+                  <a:lnTo>
+                    <a:pt x="2491528" y="4947161"/>
+                  </a:lnTo>
+                  <a:lnTo>
+                    <a:pt x="2575255" y="4945129"/>
+                  </a:lnTo>
+                  <a:lnTo>
+                    <a:pt x="2658864" y="4940264"/>
+                  </a:lnTo>
+                  <a:lnTo>
+                    <a:pt x="2742261" y="4932572"/>
+                  </a:lnTo>
+                  <a:lnTo>
+                    <a:pt x="2825350" y="4922061"/>
+                  </a:lnTo>
+                  <a:lnTo>
+                    <a:pt x="2908035" y="4908743"/>
+                  </a:lnTo>
+                  <a:lnTo>
+                    <a:pt x="2990223" y="4892633"/>
+                  </a:lnTo>
+                  <a:lnTo>
+                    <a:pt x="3071817" y="4873750"/>
+                  </a:lnTo>
+                  <a:lnTo>
+                    <a:pt x="3152726" y="4852116"/>
+                  </a:lnTo>
+                  <a:lnTo>
+                    <a:pt x="3232856" y="4827756"/>
+                  </a:lnTo>
+                  <a:lnTo>
+                    <a:pt x="3312115" y="4800697"/>
+                  </a:lnTo>
+                  <a:lnTo>
+                    <a:pt x="3390413" y="4770970"/>
+                  </a:lnTo>
+                  <a:lnTo>
+                    <a:pt x="3467659" y="4738609"/>
+                  </a:lnTo>
+                  <a:lnTo>
+                    <a:pt x="3543766" y="4703652"/>
+                  </a:lnTo>
+                  <a:lnTo>
+                    <a:pt x="3618646" y="4666139"/>
+                  </a:lnTo>
+                  <a:lnTo>
+                    <a:pt x="3692213" y="4626112"/>
+                  </a:lnTo>
+                  <a:lnTo>
+                    <a:pt x="3764383" y="4583618"/>
+                  </a:lnTo>
+                  <a:lnTo>
+                    <a:pt x="3835073" y="4538705"/>
+                  </a:lnTo>
+                  <a:lnTo>
+                    <a:pt x="3904202" y="4491424"/>
+                  </a:lnTo>
+                  <a:lnTo>
+                    <a:pt x="3971690" y="4441831"/>
+                  </a:lnTo>
+                  <a:lnTo>
+                    <a:pt x="4037461" y="4389981"/>
+                  </a:lnTo>
+                  <a:lnTo>
+                    <a:pt x="4101439" y="4335934"/>
+                  </a:lnTo>
+                  <a:lnTo>
+                    <a:pt x="4163551" y="4279753"/>
+                  </a:lnTo>
+                  <a:lnTo>
+                    <a:pt x="4223726" y="4221501"/>
+                  </a:lnTo>
+                  <a:lnTo>
+                    <a:pt x="4281894" y="4161245"/>
+                  </a:lnTo>
+                  <a:lnTo>
+                    <a:pt x="4337988" y="4099055"/>
+                  </a:lnTo>
+                  <a:lnTo>
+                    <a:pt x="4391945" y="4035002"/>
+                  </a:lnTo>
+                  <a:lnTo>
+                    <a:pt x="4443703" y="3969158"/>
+                  </a:lnTo>
+                  <a:lnTo>
+                    <a:pt x="4493203" y="3901600"/>
+                  </a:lnTo>
+                  <a:lnTo>
+                    <a:pt x="4540386" y="3832406"/>
+                  </a:lnTo>
+                  <a:lnTo>
+                    <a:pt x="4585201" y="3761653"/>
+                  </a:lnTo>
+                  <a:lnTo>
+                    <a:pt x="4627594" y="3689424"/>
+                  </a:lnTo>
+                  <a:lnTo>
+                    <a:pt x="4667518" y="3615801"/>
+                  </a:lnTo>
+                  <a:lnTo>
+                    <a:pt x="4704927" y="3540869"/>
+                  </a:lnTo>
+                  <a:lnTo>
+                    <a:pt x="4739778" y="3464714"/>
+                  </a:lnTo>
+                  <a:lnTo>
+                    <a:pt x="4772030" y="3387422"/>
+                  </a:lnTo>
+                  <a:lnTo>
+                    <a:pt x="4801648" y="3309083"/>
+                  </a:lnTo>
+                  <a:lnTo>
+                    <a:pt x="4828596" y="3229786"/>
+                  </a:lnTo>
+                  <a:lnTo>
+                    <a:pt x="4852845" y="3149622"/>
+                  </a:lnTo>
+                  <a:lnTo>
+                    <a:pt x="4874366" y="3068683"/>
+                  </a:lnTo>
+                  <a:lnTo>
+                    <a:pt x="4893135" y="2987062"/>
+                  </a:lnTo>
+                  <a:lnTo>
+                    <a:pt x="4909130" y="2904853"/>
+                  </a:lnTo>
+                  <a:lnTo>
+                    <a:pt x="4922332" y="2822149"/>
+                  </a:lnTo>
+                  <a:lnTo>
+                    <a:pt x="4932727" y="2739045"/>
+                  </a:lnTo>
+                  <a:lnTo>
+                    <a:pt x="4940303" y="2655638"/>
+                  </a:lnTo>
+                  <a:lnTo>
+                    <a:pt x="4945051" y="2572021"/>
+                  </a:lnTo>
+                  <a:lnTo>
+                    <a:pt x="4946966" y="2488292"/>
+                  </a:lnTo>
+                  <a:lnTo>
+                    <a:pt x="4946045" y="2404546"/>
+                  </a:lnTo>
+                  <a:lnTo>
+                    <a:pt x="4942290" y="2320879"/>
+                  </a:lnTo>
+                  <a:lnTo>
+                    <a:pt x="4935704" y="2237388"/>
+                  </a:lnTo>
+                  <a:lnTo>
+                    <a:pt x="4926296" y="2154167"/>
+                  </a:lnTo>
+                  <a:lnTo>
+                    <a:pt x="4914076" y="2071312"/>
+                  </a:lnTo>
+                  <a:lnTo>
+                    <a:pt x="4829915" y="2085184"/>
+                  </a:lnTo>
+                  <a:lnTo>
+                    <a:pt x="4745753" y="2099057"/>
+                  </a:lnTo>
+                  <a:lnTo>
+                    <a:pt x="4661592" y="2112929"/>
+                  </a:lnTo>
+                  <a:lnTo>
+                    <a:pt x="4577430" y="2126802"/>
+                  </a:lnTo>
+                  <a:lnTo>
+                    <a:pt x="4493269" y="2140674"/>
+                  </a:lnTo>
+                  <a:lnTo>
+                    <a:pt x="4409108" y="2154547"/>
+                  </a:lnTo>
+                  <a:lnTo>
+                    <a:pt x="4324946" y="2168419"/>
+                  </a:lnTo>
+                  <a:lnTo>
+                    <a:pt x="4240785" y="2182292"/>
+                  </a:lnTo>
+                  <a:lnTo>
+                    <a:pt x="4156623" y="2196164"/>
+                  </a:lnTo>
+                  <a:lnTo>
+                    <a:pt x="4072462" y="2210037"/>
+                  </a:lnTo>
+                  <a:lnTo>
+                    <a:pt x="3988301" y="2223909"/>
+                  </a:lnTo>
+                  <a:lnTo>
+                    <a:pt x="3904139" y="2237781"/>
+                  </a:lnTo>
+                  <a:lnTo>
+                    <a:pt x="3819978" y="2251654"/>
+                  </a:lnTo>
+                  <a:lnTo>
+                    <a:pt x="3735817" y="2265526"/>
+                  </a:lnTo>
+                  <a:lnTo>
+                    <a:pt x="3651655" y="2279399"/>
+                  </a:lnTo>
+                  <a:lnTo>
+                    <a:pt x="3567494" y="2293271"/>
+                  </a:lnTo>
+                  <a:lnTo>
+                    <a:pt x="3483332" y="2307144"/>
+                  </a:lnTo>
+                  <a:lnTo>
+                    <a:pt x="3399171" y="2321016"/>
+                  </a:lnTo>
+                  <a:lnTo>
+                    <a:pt x="3315010" y="2334889"/>
+                  </a:lnTo>
+                  <a:lnTo>
+                    <a:pt x="3230848" y="2348761"/>
+                  </a:lnTo>
+                  <a:lnTo>
+                    <a:pt x="3146687" y="2362634"/>
+                  </a:lnTo>
+                  <a:lnTo>
+                    <a:pt x="3062525" y="2376506"/>
+                  </a:lnTo>
+                  <a:lnTo>
+                    <a:pt x="2978364" y="2390379"/>
+                  </a:lnTo>
+                  <a:lnTo>
+                    <a:pt x="2894203" y="2404251"/>
+                  </a:lnTo>
+                  <a:lnTo>
+                    <a:pt x="2810041" y="2418124"/>
+                  </a:lnTo>
+                  <a:lnTo>
+                    <a:pt x="2725880" y="2431996"/>
+                  </a:lnTo>
+                  <a:lnTo>
+                    <a:pt x="2641719" y="2445868"/>
+                  </a:lnTo>
+                  <a:lnTo>
+                    <a:pt x="2557557" y="2459741"/>
                   </a:lnTo>
                   <a:close/>
                 </a:path>
@@ -4339,24 +4125,24 @@
         </p:sp>
         <p:sp>
           <p:nvSpPr>
-            <p:cNvPr id="12" name="pl11"/>
+            <p:cNvPr id="11" name="pl10"/>
             <p:cNvSpPr/>
             <p:nvPr/>
           </p:nvSpPr>
           <p:spPr>
             <a:xfrm>
-              <a:off x="5295947" y="2760282"/>
-              <a:ext cx="210938" cy="216391"/>
+              <a:off x="6678361" y="3686250"/>
+              <a:ext cx="770794" cy="157832"/>
             </a:xfrm>
             <a:custGeom>
               <a:avLst/>
               <a:pathLst>
-                <a:path w="210938" h="216391">
+                <a:path w="770794" h="157832">
                   <a:moveTo>
-                    <a:pt x="0" y="0"/>
+                    <a:pt x="770794" y="0"/>
                   </a:moveTo>
                   <a:lnTo>
-                    <a:pt x="210938" y="216391"/>
+                    <a:pt x="0" y="157832"/>
                   </a:lnTo>
                 </a:path>
               </a:pathLst>
@@ -4379,93 +4165,13 @@
         </p:sp>
         <p:sp>
           <p:nvSpPr>
-            <p:cNvPr id="13" name="pl12"/>
+            <p:cNvPr id="12" name="tx11"/>
             <p:cNvSpPr/>
             <p:nvPr/>
           </p:nvSpPr>
           <p:spPr>
             <a:xfrm>
-              <a:off x="6186166" y="2960759"/>
-              <a:ext cx="172494" cy="225624"/>
-            </a:xfrm>
-            <a:custGeom>
-              <a:avLst/>
-              <a:pathLst>
-                <a:path w="172494" h="225624">
-                  <a:moveTo>
-                    <a:pt x="172494" y="0"/>
-                  </a:moveTo>
-                  <a:lnTo>
-                    <a:pt x="0" y="225624"/>
-                  </a:lnTo>
-                </a:path>
-              </a:pathLst>
-            </a:custGeom>
-            <a:ln w="13550" cap="rnd">
-              <a:solidFill>
-                <a:srgbClr val="000000">
-                  <a:alpha val="100000"/>
-                </a:srgbClr>
-              </a:solidFill>
-              <a:prstDash val="solid"/>
-              <a:round/>
-            </a:ln>
-          </p:spPr>
-          <p:txBody>
-            <a:bodyPr/>
-            <a:lstStyle/>
-            <a:p/>
-          </p:txBody>
-        </p:sp>
-        <p:sp>
-          <p:nvSpPr>
-            <p:cNvPr id="14" name="pl13"/>
-            <p:cNvSpPr/>
-            <p:nvPr/>
-          </p:nvSpPr>
-          <p:spPr>
-            <a:xfrm>
-              <a:off x="6658084" y="3521193"/>
-              <a:ext cx="81670" cy="281010"/>
-            </a:xfrm>
-            <a:custGeom>
-              <a:avLst/>
-              <a:pathLst>
-                <a:path w="81670" h="281010">
-                  <a:moveTo>
-                    <a:pt x="81670" y="0"/>
-                  </a:moveTo>
-                  <a:lnTo>
-                    <a:pt x="0" y="281010"/>
-                  </a:lnTo>
-                </a:path>
-              </a:pathLst>
-            </a:custGeom>
-            <a:ln w="13550" cap="rnd">
-              <a:solidFill>
-                <a:srgbClr val="000000">
-                  <a:alpha val="100000"/>
-                </a:srgbClr>
-              </a:solidFill>
-              <a:prstDash val="solid"/>
-              <a:round/>
-            </a:ln>
-          </p:spPr>
-          <p:txBody>
-            <a:bodyPr/>
-            <a:lstStyle/>
-            <a:p/>
-          </p:txBody>
-        </p:sp>
-        <p:sp>
-          <p:nvSpPr>
-            <p:cNvPr id="15" name="tx14"/>
-            <p:cNvSpPr/>
-            <p:nvPr/>
-          </p:nvSpPr>
-          <p:spPr>
-            <a:xfrm>
-              <a:off x="3466470" y="2221744"/>
+              <a:off x="4037681" y="2410617"/>
               <a:ext cx="2121202" cy="203471"/>
             </a:xfrm>
             <a:prstGeom prst="rect">
@@ -4505,14 +4211,14 @@
         </p:sp>
         <p:sp>
           <p:nvSpPr>
-            <p:cNvPr id="16" name="tx15"/>
+            <p:cNvPr id="13" name="tx12"/>
             <p:cNvSpPr/>
             <p:nvPr/>
           </p:nvSpPr>
           <p:spPr>
             <a:xfrm>
-              <a:off x="4159457" y="2573862"/>
-              <a:ext cx="735227" cy="163560"/>
+              <a:off x="4790958" y="2762735"/>
+              <a:ext cx="614647" cy="163560"/>
             </a:xfrm>
             <a:prstGeom prst="rect">
               <a:avLst/>
@@ -4544,20 +4250,20 @@
                   <a:latin typeface="Arial"/>
                   <a:cs typeface="Arial"/>
                 </a:rPr>
-                <a:t> 0.78 %</a:t>
+                <a:t> 0.8 %</a:t>
               </a:r>
             </a:p>
           </p:txBody>
         </p:sp>
         <p:sp>
           <p:nvSpPr>
-            <p:cNvPr id="17" name="tx16"/>
+            <p:cNvPr id="14" name="tx13"/>
             <p:cNvSpPr/>
             <p:nvPr/>
           </p:nvSpPr>
           <p:spPr>
             <a:xfrm>
-              <a:off x="5675190" y="2467955"/>
+              <a:off x="6248154" y="2685076"/>
               <a:ext cx="1566579" cy="157737"/>
             </a:xfrm>
             <a:prstGeom prst="rect">
@@ -4597,14 +4303,14 @@
         </p:sp>
         <p:sp>
           <p:nvSpPr>
-            <p:cNvPr id="18" name="tx17"/>
+            <p:cNvPr id="15" name="tx14"/>
             <p:cNvSpPr/>
             <p:nvPr/>
           </p:nvSpPr>
           <p:spPr>
             <a:xfrm>
-              <a:off x="5970286" y="2774339"/>
-              <a:ext cx="976386" cy="163560"/>
+              <a:off x="6603541" y="2991460"/>
+              <a:ext cx="855806" cy="163560"/>
             </a:xfrm>
             <a:prstGeom prst="rect">
               <a:avLst/>
@@ -4636,20 +4342,20 @@
                   <a:latin typeface="Arial"/>
                   <a:cs typeface="Arial"/>
                 </a:rPr>
-                <a:t> 17.317 %</a:t>
+                <a:t> 17.76 %</a:t>
               </a:r>
             </a:p>
           </p:txBody>
         </p:sp>
         <p:sp>
           <p:nvSpPr>
-            <p:cNvPr id="19" name="tx18"/>
+            <p:cNvPr id="16" name="tx15"/>
             <p:cNvSpPr/>
             <p:nvPr/>
           </p:nvSpPr>
           <p:spPr>
             <a:xfrm>
-              <a:off x="4532416" y="3585842"/>
+              <a:off x="5346211" y="3264859"/>
               <a:ext cx="2036510" cy="157737"/>
             </a:xfrm>
             <a:prstGeom prst="rect">
@@ -4689,14 +4395,14 @@
         </p:sp>
         <p:sp>
           <p:nvSpPr>
-            <p:cNvPr id="20" name="tx19"/>
+            <p:cNvPr id="17" name="tx16"/>
             <p:cNvSpPr/>
             <p:nvPr/>
           </p:nvSpPr>
           <p:spPr>
             <a:xfrm>
-              <a:off x="5122768" y="3892226"/>
-              <a:ext cx="855806" cy="163560"/>
+              <a:off x="5996853" y="3571243"/>
+              <a:ext cx="735227" cy="163560"/>
             </a:xfrm>
             <a:prstGeom prst="rect">
               <a:avLst/>
@@ -4728,20 +4434,20 @@
                   <a:latin typeface="Arial"/>
                   <a:cs typeface="Arial"/>
                 </a:rPr>
-                <a:t> 1.092 %</a:t>
+                <a:t> 1.12 %</a:t>
               </a:r>
             </a:p>
           </p:txBody>
         </p:sp>
         <p:sp>
           <p:nvSpPr>
-            <p:cNvPr id="21" name="tx20"/>
+            <p:cNvPr id="18" name="tx17"/>
             <p:cNvSpPr/>
             <p:nvPr/>
           </p:nvSpPr>
           <p:spPr>
             <a:xfrm>
-              <a:off x="6237532" y="2987843"/>
+              <a:off x="7472015" y="3405984"/>
               <a:ext cx="1012168" cy="198283"/>
             </a:xfrm>
             <a:prstGeom prst="rect">
@@ -4781,14 +4487,14 @@
         </p:sp>
         <p:sp>
           <p:nvSpPr>
-            <p:cNvPr id="22" name="tx21"/>
+            <p:cNvPr id="19" name="tx18"/>
             <p:cNvSpPr/>
             <p:nvPr/>
           </p:nvSpPr>
           <p:spPr>
             <a:xfrm>
-              <a:off x="6315713" y="3334773"/>
-              <a:ext cx="855806" cy="163560"/>
+              <a:off x="7670775" y="3752914"/>
+              <a:ext cx="614647" cy="163560"/>
             </a:xfrm>
             <a:prstGeom prst="rect">
               <a:avLst/>
@@ -4820,112 +4526,20 @@
                   <a:latin typeface="Arial"/>
                   <a:cs typeface="Arial"/>
                 </a:rPr>
-                <a:t> 0.936 %</a:t>
+                <a:t> 0.8 %</a:t>
               </a:r>
             </a:p>
           </p:txBody>
         </p:sp>
         <p:sp>
           <p:nvSpPr>
-            <p:cNvPr id="23" name="tx22"/>
+            <p:cNvPr id="20" name="tx19"/>
             <p:cNvSpPr/>
             <p:nvPr/>
           </p:nvSpPr>
           <p:spPr>
             <a:xfrm>
-              <a:off x="6773258" y="3545687"/>
-              <a:ext cx="1205158" cy="198283"/>
-            </a:xfrm>
-            <a:prstGeom prst="rect">
-              <a:avLst/>
-            </a:prstGeom>
-            <a:noFill/>
-          </p:spPr>
-          <p:txBody>
-            <a:bodyPr lIns="0" rIns="0" tIns="0" bIns="0" anchorCtr="1" anchor="ctr" wrap="none"/>
-            <a:lstStyle/>
-            <a:p>
-              <a:pPr algn="l" marL="0" marR="0" indent="0">
-                <a:lnSpc>
-                  <a:spcPts val="1707"/>
-                </a:lnSpc>
-                <a:spcBef>
-                  <a:spcPts val="0"/>
-                </a:spcBef>
-                <a:spcAft>
-                  <a:spcPts val="0"/>
-                </a:spcAft>
-              </a:pPr>
-              <a:r>
-                <a:rPr sz="1707">
-                  <a:solidFill>
-                    <a:srgbClr val="000000">
-                      <a:alpha val="100000"/>
-                    </a:srgbClr>
-                  </a:solidFill>
-                  <a:latin typeface="Arial"/>
-                  <a:cs typeface="Arial"/>
-                </a:rPr>
-                <a:t>Heterotroph </a:t>
-              </a:r>
-            </a:p>
-          </p:txBody>
-        </p:sp>
-        <p:sp>
-          <p:nvSpPr>
-            <p:cNvPr id="24" name="tx23"/>
-            <p:cNvSpPr/>
-            <p:nvPr/>
-          </p:nvSpPr>
-          <p:spPr>
-            <a:xfrm>
-              <a:off x="6947934" y="3892617"/>
-              <a:ext cx="855806" cy="163560"/>
-            </a:xfrm>
-            <a:prstGeom prst="rect">
-              <a:avLst/>
-            </a:prstGeom>
-            <a:noFill/>
-          </p:spPr>
-          <p:txBody>
-            <a:bodyPr lIns="0" rIns="0" tIns="0" bIns="0" anchorCtr="1" anchor="ctr" wrap="none"/>
-            <a:lstStyle/>
-            <a:p>
-              <a:pPr algn="l" marL="0" marR="0" indent="0">
-                <a:lnSpc>
-                  <a:spcPts val="1707"/>
-                </a:lnSpc>
-                <a:spcBef>
-                  <a:spcPts val="0"/>
-                </a:spcBef>
-                <a:spcAft>
-                  <a:spcPts val="0"/>
-                </a:spcAft>
-              </a:pPr>
-              <a:r>
-                <a:rPr sz="1707">
-                  <a:solidFill>
-                    <a:srgbClr val="000000">
-                      <a:alpha val="100000"/>
-                    </a:srgbClr>
-                  </a:solidFill>
-                  <a:latin typeface="Arial"/>
-                  <a:cs typeface="Arial"/>
-                </a:rPr>
-                <a:t> 1.872 %</a:t>
-              </a:r>
-            </a:p>
-          </p:txBody>
-        </p:sp>
-        <p:sp>
-          <p:nvSpPr>
-            <p:cNvPr id="25" name="tx24"/>
-            <p:cNvSpPr/>
-            <p:nvPr/>
-          </p:nvSpPr>
-          <p:spPr>
-            <a:xfrm>
-              <a:off x="5846592" y="4100988"/>
+              <a:off x="6250021" y="3962024"/>
               <a:ext cx="1470136" cy="200824"/>
             </a:xfrm>
             <a:prstGeom prst="rect">
@@ -4965,14 +4579,14 @@
         </p:sp>
         <p:sp>
           <p:nvSpPr>
-            <p:cNvPr id="26" name="tx25"/>
+            <p:cNvPr id="21" name="tx20"/>
             <p:cNvSpPr/>
             <p:nvPr/>
           </p:nvSpPr>
           <p:spPr>
             <a:xfrm>
-              <a:off x="6153757" y="4450458"/>
-              <a:ext cx="855806" cy="163560"/>
+              <a:off x="6617475" y="4311494"/>
+              <a:ext cx="735227" cy="163560"/>
             </a:xfrm>
             <a:prstGeom prst="rect">
               <a:avLst/>
@@ -5004,20 +4618,20 @@
                   <a:latin typeface="Arial"/>
                   <a:cs typeface="Arial"/>
                 </a:rPr>
-                <a:t> 1.872 %</a:t>
+                <a:t> 1.92 %</a:t>
               </a:r>
             </a:p>
           </p:txBody>
         </p:sp>
         <p:sp>
           <p:nvSpPr>
-            <p:cNvPr id="27" name="tx26"/>
+            <p:cNvPr id="22" name="tx21"/>
             <p:cNvSpPr/>
             <p:nvPr/>
           </p:nvSpPr>
           <p:spPr>
             <a:xfrm>
-              <a:off x="3771540" y="5144898"/>
+              <a:off x="4400319" y="4596817"/>
               <a:ext cx="1156990" cy="198283"/>
             </a:xfrm>
             <a:prstGeom prst="rect">
@@ -5057,14 +4671,14 @@
         </p:sp>
         <p:sp>
           <p:nvSpPr>
-            <p:cNvPr id="28" name="tx27"/>
+            <p:cNvPr id="23" name="tx22"/>
             <p:cNvSpPr/>
             <p:nvPr/>
           </p:nvSpPr>
           <p:spPr>
             <a:xfrm>
-              <a:off x="3861843" y="5491828"/>
-              <a:ext cx="976386" cy="163560"/>
+              <a:off x="4611200" y="4943747"/>
+              <a:ext cx="735227" cy="163560"/>
             </a:xfrm>
             <a:prstGeom prst="rect">
               <a:avLst/>
@@ -5096,14 +4710,14 @@
                   <a:latin typeface="Arial"/>
                   <a:cs typeface="Arial"/>
                 </a:rPr>
-                <a:t> 76.131 %</a:t>
+                <a:t> 77.6 %</a:t>
               </a:r>
             </a:p>
           </p:txBody>
         </p:sp>
         <p:sp>
           <p:nvSpPr>
-            <p:cNvPr id="29" name="tx28"/>
+            <p:cNvPr id="24" name="tx23"/>
             <p:cNvSpPr/>
             <p:nvPr/>
           </p:nvSpPr>

--- a/Images/Figures_PPT/PieWithOutRictor.pptx
+++ b/Images/Figures_PPT/PieWithOutRictor.pptx
@@ -2487,7 +2487,7 @@
               </a:pathLst>
             </a:custGeom>
             <a:solidFill>
-              <a:srgbClr val="F564E3">
+              <a:srgbClr val="BEBEBE">
                 <a:alpha val="100000"/>
               </a:srgbClr>
             </a:solidFill>
@@ -2797,7 +2797,7 @@
               </a:pathLst>
             </a:custGeom>
             <a:solidFill>
-              <a:srgbClr val="619CFF">
+              <a:srgbClr val="D0D1AC">
                 <a:alpha val="100000"/>
               </a:srgbClr>
             </a:solidFill>
@@ -3017,7 +3017,7 @@
               </a:pathLst>
             </a:custGeom>
             <a:solidFill>
-              <a:srgbClr val="00BFC4">
+              <a:srgbClr val="FE4A49">
                 <a:alpha val="100000"/>
               </a:srgbClr>
             </a:solidFill>
@@ -3234,7 +3234,7 @@
               </a:pathLst>
             </a:custGeom>
             <a:solidFill>
-              <a:srgbClr val="00BA38">
+              <a:srgbClr val="63E3C5">
                 <a:alpha val="100000"/>
               </a:srgbClr>
             </a:solidFill>
@@ -3457,7 +3457,7 @@
               </a:pathLst>
             </a:custGeom>
             <a:solidFill>
-              <a:srgbClr val="B79F00">
+              <a:srgbClr val="A020F0">
                 <a:alpha val="100000"/>
               </a:srgbClr>
             </a:solidFill>
@@ -4103,7 +4103,7 @@
               </a:pathLst>
             </a:custGeom>
             <a:solidFill>
-              <a:srgbClr val="F8766D">
+              <a:srgbClr val="3CBA26">
                 <a:alpha val="100000"/>
               </a:srgbClr>
             </a:solidFill>
@@ -4131,18 +4131,18 @@
           </p:nvSpPr>
           <p:spPr>
             <a:xfrm>
-              <a:off x="6678361" y="3686250"/>
-              <a:ext cx="770794" cy="157832"/>
+              <a:off x="6678360" y="3686438"/>
+              <a:ext cx="769229" cy="157643"/>
             </a:xfrm>
             <a:custGeom>
               <a:avLst/>
               <a:pathLst>
-                <a:path w="770794" h="157832">
+                <a:path w="769229" h="157643">
                   <a:moveTo>
-                    <a:pt x="770794" y="0"/>
+                    <a:pt x="769229" y="0"/>
                   </a:moveTo>
                   <a:lnTo>
-                    <a:pt x="0" y="157832"/>
+                    <a:pt x="0" y="157643"/>
                   </a:lnTo>
                 </a:path>
               </a:pathLst>
@@ -4171,7 +4171,7 @@
           </p:nvSpPr>
           <p:spPr>
             <a:xfrm>
-              <a:off x="4037681" y="2410617"/>
+              <a:off x="4037499" y="2410911"/>
               <a:ext cx="2121202" cy="203471"/>
             </a:xfrm>
             <a:prstGeom prst="rect">
@@ -4217,7 +4217,7 @@
           </p:nvSpPr>
           <p:spPr>
             <a:xfrm>
-              <a:off x="4790958" y="2762735"/>
+              <a:off x="4790777" y="2763028"/>
               <a:ext cx="614647" cy="163560"/>
             </a:xfrm>
             <a:prstGeom prst="rect">
@@ -4263,7 +4263,7 @@
           </p:nvSpPr>
           <p:spPr>
             <a:xfrm>
-              <a:off x="6248154" y="2685076"/>
+              <a:off x="6250217" y="2685011"/>
               <a:ext cx="1566579" cy="157737"/>
             </a:xfrm>
             <a:prstGeom prst="rect">
@@ -4309,7 +4309,7 @@
           </p:nvSpPr>
           <p:spPr>
             <a:xfrm>
-              <a:off x="6603541" y="2991460"/>
+              <a:off x="6605603" y="2991394"/>
               <a:ext cx="855806" cy="163560"/>
             </a:xfrm>
             <a:prstGeom prst="rect">
@@ -4355,7 +4355,7 @@
           </p:nvSpPr>
           <p:spPr>
             <a:xfrm>
-              <a:off x="5346211" y="3264859"/>
+              <a:off x="5346575" y="3265147"/>
               <a:ext cx="2036510" cy="157737"/>
             </a:xfrm>
             <a:prstGeom prst="rect">
@@ -4401,7 +4401,7 @@
           </p:nvSpPr>
           <p:spPr>
             <a:xfrm>
-              <a:off x="5996853" y="3571243"/>
+              <a:off x="5997217" y="3571531"/>
               <a:ext cx="735227" cy="163560"/>
             </a:xfrm>
             <a:prstGeom prst="rect">
@@ -4447,7 +4447,7 @@
           </p:nvSpPr>
           <p:spPr>
             <a:xfrm>
-              <a:off x="7472015" y="3405984"/>
+              <a:off x="7470450" y="3406170"/>
               <a:ext cx="1012168" cy="198283"/>
             </a:xfrm>
             <a:prstGeom prst="rect">
@@ -4493,7 +4493,7 @@
           </p:nvSpPr>
           <p:spPr>
             <a:xfrm>
-              <a:off x="7670775" y="3752914"/>
+              <a:off x="7669210" y="3753099"/>
               <a:ext cx="614647" cy="163560"/>
             </a:xfrm>
             <a:prstGeom prst="rect">
@@ -4539,7 +4539,7 @@
           </p:nvSpPr>
           <p:spPr>
             <a:xfrm>
-              <a:off x="6250021" y="3962024"/>
+              <a:off x="6249860" y="3962047"/>
               <a:ext cx="1470136" cy="200824"/>
             </a:xfrm>
             <a:prstGeom prst="rect">
@@ -4585,7 +4585,7 @@
           </p:nvSpPr>
           <p:spPr>
             <a:xfrm>
-              <a:off x="6617475" y="4311494"/>
+              <a:off x="6617314" y="4311518"/>
               <a:ext cx="735227" cy="163560"/>
             </a:xfrm>
             <a:prstGeom prst="rect">
@@ -4631,7 +4631,7 @@
           </p:nvSpPr>
           <p:spPr>
             <a:xfrm>
-              <a:off x="4400319" y="4596817"/>
+              <a:off x="3814983" y="5181844"/>
               <a:ext cx="1156990" cy="198283"/>
             </a:xfrm>
             <a:prstGeom prst="rect">
@@ -4677,7 +4677,7 @@
           </p:nvSpPr>
           <p:spPr>
             <a:xfrm>
-              <a:off x="4611200" y="4943747"/>
+              <a:off x="4025864" y="5528774"/>
               <a:ext cx="735227" cy="163560"/>
             </a:xfrm>
             <a:prstGeom prst="rect">

--- a/Images/Figures_PPT/PieWithOutRictor.pptx
+++ b/Images/Figures_PPT/PieWithOutRictor.pptx
@@ -4131,18 +4131,18 @@
           </p:nvSpPr>
           <p:spPr>
             <a:xfrm>
-              <a:off x="6678360" y="3686438"/>
-              <a:ext cx="769229" cy="157643"/>
+              <a:off x="6678361" y="3686173"/>
+              <a:ext cx="771906" cy="157912"/>
             </a:xfrm>
             <a:custGeom>
               <a:avLst/>
               <a:pathLst>
-                <a:path w="769229" h="157643">
+                <a:path w="771906" h="157912">
                   <a:moveTo>
-                    <a:pt x="769229" y="0"/>
+                    <a:pt x="771906" y="0"/>
                   </a:moveTo>
                   <a:lnTo>
-                    <a:pt x="0" y="157643"/>
+                    <a:pt x="0" y="157912"/>
                   </a:lnTo>
                 </a:path>
               </a:pathLst>
@@ -4171,7 +4171,7 @@
           </p:nvSpPr>
           <p:spPr>
             <a:xfrm>
-              <a:off x="4037499" y="2410911"/>
+              <a:off x="4037545" y="2412242"/>
               <a:ext cx="2121202" cy="203471"/>
             </a:xfrm>
             <a:prstGeom prst="rect">
@@ -4217,7 +4217,7 @@
           </p:nvSpPr>
           <p:spPr>
             <a:xfrm>
-              <a:off x="4790777" y="2763028"/>
+              <a:off x="4790822" y="2764359"/>
               <a:ext cx="614647" cy="163560"/>
             </a:xfrm>
             <a:prstGeom prst="rect">
@@ -4263,7 +4263,7 @@
           </p:nvSpPr>
           <p:spPr>
             <a:xfrm>
-              <a:off x="6250217" y="2685011"/>
+              <a:off x="6248523" y="2682028"/>
               <a:ext cx="1566579" cy="157737"/>
             </a:xfrm>
             <a:prstGeom prst="rect">
@@ -4309,7 +4309,7 @@
           </p:nvSpPr>
           <p:spPr>
             <a:xfrm>
-              <a:off x="6605603" y="2991394"/>
+              <a:off x="6603909" y="2988412"/>
               <a:ext cx="855806" cy="163560"/>
             </a:xfrm>
             <a:prstGeom prst="rect">
@@ -4355,7 +4355,7 @@
           </p:nvSpPr>
           <p:spPr>
             <a:xfrm>
-              <a:off x="5346575" y="3265147"/>
+              <a:off x="5346366" y="3265173"/>
               <a:ext cx="2036510" cy="157737"/>
             </a:xfrm>
             <a:prstGeom prst="rect">
@@ -4401,7 +4401,7 @@
           </p:nvSpPr>
           <p:spPr>
             <a:xfrm>
-              <a:off x="5997217" y="3571531"/>
+              <a:off x="5997008" y="3571556"/>
               <a:ext cx="735227" cy="163560"/>
             </a:xfrm>
             <a:prstGeom prst="rect">
@@ -4447,7 +4447,7 @@
           </p:nvSpPr>
           <p:spPr>
             <a:xfrm>
-              <a:off x="7470450" y="3406170"/>
+              <a:off x="7473128" y="3405912"/>
               <a:ext cx="1012168" cy="198283"/>
             </a:xfrm>
             <a:prstGeom prst="rect">
@@ -4493,7 +4493,7 @@
           </p:nvSpPr>
           <p:spPr>
             <a:xfrm>
-              <a:off x="7669210" y="3753099"/>
+              <a:off x="7671888" y="3752842"/>
               <a:ext cx="614647" cy="163560"/>
             </a:xfrm>
             <a:prstGeom prst="rect">
@@ -4539,7 +4539,7 @@
           </p:nvSpPr>
           <p:spPr>
             <a:xfrm>
-              <a:off x="6249860" y="3962047"/>
+              <a:off x="6249982" y="3962049"/>
               <a:ext cx="1470136" cy="200824"/>
             </a:xfrm>
             <a:prstGeom prst="rect">
@@ -4585,7 +4585,7 @@
           </p:nvSpPr>
           <p:spPr>
             <a:xfrm>
-              <a:off x="6617314" y="4311518"/>
+              <a:off x="6617437" y="4311520"/>
               <a:ext cx="735227" cy="163560"/>
             </a:xfrm>
             <a:prstGeom prst="rect">
@@ -4631,7 +4631,7 @@
           </p:nvSpPr>
           <p:spPr>
             <a:xfrm>
-              <a:off x="3814983" y="5181844"/>
+              <a:off x="3814859" y="5182017"/>
               <a:ext cx="1156990" cy="198283"/>
             </a:xfrm>
             <a:prstGeom prst="rect">
@@ -4677,7 +4677,7 @@
           </p:nvSpPr>
           <p:spPr>
             <a:xfrm>
-              <a:off x="4025864" y="5528774"/>
+              <a:off x="4025740" y="5528947"/>
               <a:ext cx="735227" cy="163560"/>
             </a:xfrm>
             <a:prstGeom prst="rect">

--- a/Images/Figures_PPT/PieWithOutRictor.pptx
+++ b/Images/Figures_PPT/PieWithOutRictor.pptx
@@ -3920,7 +3920,7 @@
           </p:nvSpPr>
           <p:spPr>
             <a:xfrm>
-              <a:off x="4033042" y="2411340"/>
+              <a:off x="4043649" y="2410608"/>
               <a:ext cx="2121202" cy="203471"/>
             </a:xfrm>
             <a:prstGeom prst="rect">
@@ -3966,7 +3966,7 @@
           </p:nvSpPr>
           <p:spPr>
             <a:xfrm>
-              <a:off x="4665740" y="2763457"/>
+              <a:off x="4676347" y="2762725"/>
               <a:ext cx="855806" cy="163560"/>
             </a:xfrm>
             <a:prstGeom prst="rect">
@@ -4012,7 +4012,7 @@
           </p:nvSpPr>
           <p:spPr>
             <a:xfrm>
-              <a:off x="6245042" y="2680634"/>
+              <a:off x="6253632" y="2694615"/>
               <a:ext cx="1566579" cy="157737"/>
             </a:xfrm>
             <a:prstGeom prst="rect">
@@ -4058,7 +4058,7 @@
           </p:nvSpPr>
           <p:spPr>
             <a:xfrm>
-              <a:off x="6540139" y="2987018"/>
+              <a:off x="6548728" y="3000999"/>
               <a:ext cx="976386" cy="163560"/>
             </a:xfrm>
             <a:prstGeom prst="rect">
@@ -4104,7 +4104,7 @@
           </p:nvSpPr>
           <p:spPr>
             <a:xfrm>
-              <a:off x="5867980" y="3226305"/>
+              <a:off x="5867931" y="3226210"/>
               <a:ext cx="1012168" cy="198283"/>
             </a:xfrm>
             <a:prstGeom prst="rect">
@@ -4150,7 +4150,7 @@
           </p:nvSpPr>
           <p:spPr>
             <a:xfrm>
-              <a:off x="5946161" y="3573235"/>
+              <a:off x="5946112" y="3573140"/>
               <a:ext cx="855806" cy="163560"/>
             </a:xfrm>
             <a:prstGeom prst="rect">
@@ -4196,7 +4196,7 @@
           </p:nvSpPr>
           <p:spPr>
             <a:xfrm>
-              <a:off x="6221170" y="3856017"/>
+              <a:off x="6221218" y="3856113"/>
               <a:ext cx="1470136" cy="200824"/>
             </a:xfrm>
             <a:prstGeom prst="rect">
@@ -4242,7 +4242,7 @@
           </p:nvSpPr>
           <p:spPr>
             <a:xfrm>
-              <a:off x="6528335" y="4205488"/>
+              <a:off x="6528383" y="4205583"/>
               <a:ext cx="855806" cy="163560"/>
             </a:xfrm>
             <a:prstGeom prst="rect">
@@ -4288,7 +4288,7 @@
           </p:nvSpPr>
           <p:spPr>
             <a:xfrm>
-              <a:off x="4450626" y="4635963"/>
+              <a:off x="3864684" y="5221893"/>
               <a:ext cx="1156990" cy="198283"/>
             </a:xfrm>
             <a:prstGeom prst="rect">
@@ -4334,7 +4334,7 @@
           </p:nvSpPr>
           <p:spPr>
             <a:xfrm>
-              <a:off x="4540928" y="4982893"/>
+              <a:off x="3954986" y="5568823"/>
               <a:ext cx="976386" cy="163560"/>
             </a:xfrm>
             <a:prstGeom prst="rect">

--- a/Images/Figures_PPT/PieWithOutRictor.pptx
+++ b/Images/Figures_PPT/PieWithOutRictor.pptx
@@ -3920,7 +3920,7 @@
           </p:nvSpPr>
           <p:spPr>
             <a:xfrm>
-              <a:off x="4043649" y="2410608"/>
+              <a:off x="4038474" y="2411048"/>
               <a:ext cx="2121202" cy="203471"/>
             </a:xfrm>
             <a:prstGeom prst="rect">
@@ -3966,7 +3966,7 @@
           </p:nvSpPr>
           <p:spPr>
             <a:xfrm>
-              <a:off x="4676347" y="2762725"/>
+              <a:off x="4671172" y="2763165"/>
               <a:ext cx="855806" cy="163560"/>
             </a:xfrm>
             <a:prstGeom prst="rect">
@@ -4012,7 +4012,7 @@
           </p:nvSpPr>
           <p:spPr>
             <a:xfrm>
-              <a:off x="6253632" y="2694615"/>
+              <a:off x="6250604" y="2684833"/>
               <a:ext cx="1566579" cy="157737"/>
             </a:xfrm>
             <a:prstGeom prst="rect">
@@ -4058,7 +4058,7 @@
           </p:nvSpPr>
           <p:spPr>
             <a:xfrm>
-              <a:off x="6548728" y="3000999"/>
+              <a:off x="6545700" y="2991216"/>
               <a:ext cx="976386" cy="163560"/>
             </a:xfrm>
             <a:prstGeom prst="rect">
@@ -4104,7 +4104,7 @@
           </p:nvSpPr>
           <p:spPr>
             <a:xfrm>
-              <a:off x="5867931" y="3226210"/>
+              <a:off x="5867978" y="3226302"/>
               <a:ext cx="1012168" cy="198283"/>
             </a:xfrm>
             <a:prstGeom prst="rect">
@@ -4150,7 +4150,7 @@
           </p:nvSpPr>
           <p:spPr>
             <a:xfrm>
-              <a:off x="5946112" y="3573140"/>
+              <a:off x="5946159" y="3573232"/>
               <a:ext cx="855806" cy="163560"/>
             </a:xfrm>
             <a:prstGeom prst="rect">
@@ -4196,7 +4196,7 @@
           </p:nvSpPr>
           <p:spPr>
             <a:xfrm>
-              <a:off x="6221218" y="3856113"/>
+              <a:off x="6221846" y="3856582"/>
               <a:ext cx="1470136" cy="200824"/>
             </a:xfrm>
             <a:prstGeom prst="rect">
@@ -4242,7 +4242,7 @@
           </p:nvSpPr>
           <p:spPr>
             <a:xfrm>
-              <a:off x="6528383" y="4205583"/>
+              <a:off x="6529011" y="4206053"/>
               <a:ext cx="855806" cy="163560"/>
             </a:xfrm>
             <a:prstGeom prst="rect">
@@ -4288,7 +4288,7 @@
           </p:nvSpPr>
           <p:spPr>
             <a:xfrm>
-              <a:off x="3864684" y="5221893"/>
+              <a:off x="4449987" y="4636555"/>
               <a:ext cx="1156990" cy="198283"/>
             </a:xfrm>
             <a:prstGeom prst="rect">
@@ -4334,7 +4334,7 @@
           </p:nvSpPr>
           <p:spPr>
             <a:xfrm>
-              <a:off x="3954986" y="5568823"/>
+              <a:off x="4540289" y="4983485"/>
               <a:ext cx="976386" cy="163560"/>
             </a:xfrm>
             <a:prstGeom prst="rect">

--- a/Images/Figures_PPT/PieWithOutRictor.pptx
+++ b/Images/Figures_PPT/PieWithOutRictor.pptx
@@ -3920,7 +3920,7 @@
           </p:nvSpPr>
           <p:spPr>
             <a:xfrm>
-              <a:off x="4038474" y="2411048"/>
+              <a:off x="4038172" y="2410627"/>
               <a:ext cx="2121202" cy="203471"/>
             </a:xfrm>
             <a:prstGeom prst="rect">
@@ -3966,7 +3966,7 @@
           </p:nvSpPr>
           <p:spPr>
             <a:xfrm>
-              <a:off x="4671172" y="2763165"/>
+              <a:off x="4670869" y="2762744"/>
               <a:ext cx="855806" cy="163560"/>
             </a:xfrm>
             <a:prstGeom prst="rect">
@@ -4012,7 +4012,7 @@
           </p:nvSpPr>
           <p:spPr>
             <a:xfrm>
-              <a:off x="6250604" y="2684833"/>
+              <a:off x="6250435" y="2685437"/>
               <a:ext cx="1566579" cy="157737"/>
             </a:xfrm>
             <a:prstGeom prst="rect">
@@ -4058,7 +4058,7 @@
           </p:nvSpPr>
           <p:spPr>
             <a:xfrm>
-              <a:off x="6545700" y="2991216"/>
+              <a:off x="6545531" y="2991821"/>
               <a:ext cx="976386" cy="163560"/>
             </a:xfrm>
             <a:prstGeom prst="rect">
@@ -4104,7 +4104,7 @@
           </p:nvSpPr>
           <p:spPr>
             <a:xfrm>
-              <a:off x="5867978" y="3226302"/>
+              <a:off x="5867979" y="3226303"/>
               <a:ext cx="1012168" cy="198283"/>
             </a:xfrm>
             <a:prstGeom prst="rect">
@@ -4150,7 +4150,7 @@
           </p:nvSpPr>
           <p:spPr>
             <a:xfrm>
-              <a:off x="5946159" y="3573232"/>
+              <a:off x="5946160" y="3573232"/>
               <a:ext cx="855806" cy="163560"/>
             </a:xfrm>
             <a:prstGeom prst="rect">
@@ -4196,7 +4196,7 @@
           </p:nvSpPr>
           <p:spPr>
             <a:xfrm>
-              <a:off x="6221846" y="3856582"/>
+              <a:off x="6221489" y="3856410"/>
               <a:ext cx="1470136" cy="200824"/>
             </a:xfrm>
             <a:prstGeom prst="rect">
@@ -4242,7 +4242,7 @@
           </p:nvSpPr>
           <p:spPr>
             <a:xfrm>
-              <a:off x="6529011" y="4206053"/>
+              <a:off x="6528654" y="4205881"/>
               <a:ext cx="855806" cy="163560"/>
             </a:xfrm>
             <a:prstGeom prst="rect">
@@ -4288,7 +4288,7 @@
           </p:nvSpPr>
           <p:spPr>
             <a:xfrm>
-              <a:off x="4449987" y="4636555"/>
+              <a:off x="3864533" y="5222278"/>
               <a:ext cx="1156990" cy="198283"/>
             </a:xfrm>
             <a:prstGeom prst="rect">
@@ -4334,7 +4334,7 @@
           </p:nvSpPr>
           <p:spPr>
             <a:xfrm>
-              <a:off x="4540289" y="4983485"/>
+              <a:off x="3954835" y="5569208"/>
               <a:ext cx="976386" cy="163560"/>
             </a:xfrm>
             <a:prstGeom prst="rect">

--- a/Images/Figures_PPT/PieWithOutRictor.pptx
+++ b/Images/Figures_PPT/PieWithOutRictor.pptx
@@ -3920,7 +3920,7 @@
           </p:nvSpPr>
           <p:spPr>
             <a:xfrm>
-              <a:off x="4038172" y="2410627"/>
+              <a:off x="4038596" y="2410872"/>
               <a:ext cx="2121202" cy="203471"/>
             </a:xfrm>
             <a:prstGeom prst="rect">
@@ -3966,7 +3966,7 @@
           </p:nvSpPr>
           <p:spPr>
             <a:xfrm>
-              <a:off x="4670869" y="2762744"/>
+              <a:off x="4671294" y="2762989"/>
               <a:ext cx="855806" cy="163560"/>
             </a:xfrm>
             <a:prstGeom prst="rect">
@@ -4012,7 +4012,7 @@
           </p:nvSpPr>
           <p:spPr>
             <a:xfrm>
-              <a:off x="6250435" y="2685437"/>
+              <a:off x="6251314" y="2684679"/>
               <a:ext cx="1566579" cy="157737"/>
             </a:xfrm>
             <a:prstGeom prst="rect">
@@ -4058,7 +4058,7 @@
           </p:nvSpPr>
           <p:spPr>
             <a:xfrm>
-              <a:off x="6545531" y="2991821"/>
+              <a:off x="6546411" y="2991063"/>
               <a:ext cx="976386" cy="163560"/>
             </a:xfrm>
             <a:prstGeom prst="rect">
@@ -4104,7 +4104,7 @@
           </p:nvSpPr>
           <p:spPr>
             <a:xfrm>
-              <a:off x="5867979" y="3226303"/>
+              <a:off x="5867880" y="3226358"/>
               <a:ext cx="1012168" cy="198283"/>
             </a:xfrm>
             <a:prstGeom prst="rect">
@@ -4150,7 +4150,7 @@
           </p:nvSpPr>
           <p:spPr>
             <a:xfrm>
-              <a:off x="5946160" y="3573232"/>
+              <a:off x="5946060" y="3573287"/>
               <a:ext cx="855806" cy="163560"/>
             </a:xfrm>
             <a:prstGeom prst="rect">
@@ -4196,7 +4196,7 @@
           </p:nvSpPr>
           <p:spPr>
             <a:xfrm>
-              <a:off x="6221489" y="3856410"/>
+              <a:off x="6221305" y="3856104"/>
               <a:ext cx="1470136" cy="200824"/>
             </a:xfrm>
             <a:prstGeom prst="rect">
@@ -4242,7 +4242,7 @@
           </p:nvSpPr>
           <p:spPr>
             <a:xfrm>
-              <a:off x="6528654" y="4205881"/>
+              <a:off x="6528471" y="4205574"/>
               <a:ext cx="855806" cy="163560"/>
             </a:xfrm>
             <a:prstGeom prst="rect">
@@ -4288,7 +4288,7 @@
           </p:nvSpPr>
           <p:spPr>
             <a:xfrm>
-              <a:off x="3864533" y="5222278"/>
+              <a:off x="4449989" y="4636708"/>
               <a:ext cx="1156990" cy="198283"/>
             </a:xfrm>
             <a:prstGeom prst="rect">
@@ -4334,7 +4334,7 @@
           </p:nvSpPr>
           <p:spPr>
             <a:xfrm>
-              <a:off x="3954835" y="5569208"/>
+              <a:off x="4540292" y="4983638"/>
               <a:ext cx="976386" cy="163560"/>
             </a:xfrm>
             <a:prstGeom prst="rect">
